--- a/Data Warehousing Basic Concepts.pptx
+++ b/Data Warehousing Basic Concepts.pptx
@@ -15,7 +15,7 @@
     <p:sldId id="259" r:id="rId6"/>
     <p:sldId id="260" r:id="rId7"/>
     <p:sldId id="262" r:id="rId8"/>
-    <p:sldId id="263" r:id="rId9"/>
+    <p:sldId id="985" r:id="rId9"/>
   </p:sldIdLst>
   <p:sldSz cx="12192000" cy="6858000"/>
   <p:notesSz cx="6858000" cy="9144000"/>
@@ -114,6 +114,11 @@
       </a:defRPr>
     </a:lvl9pPr>
   </p:defaultTextStyle>
+  <p:extLst>
+    <p:ext uri="{EFAFB233-063F-42B5-8137-9DF3F51BA10A}">
+      <p15:sldGuideLst xmlns:p15="http://schemas.microsoft.com/office/powerpoint/2012/main"/>
+    </p:ext>
+  </p:extLst>
 </p:presentation>
 </file>
 
@@ -3234,7 +3239,7 @@
           <a:p>
             <a:fld id="{69C79DB8-84A5-404A-B03B-2CC1D5A79698}" type="datetimeFigureOut">
               <a:rPr lang="en-US" smtClean="0"/>
-              <a:t>2/18/2020</a:t>
+              <a:t>2/19/2020</a:t>
             </a:fld>
             <a:endParaRPr lang="en-US"/>
           </a:p>
@@ -3555,6 +3560,31 @@
                 <a:ea typeface="+mn-ea"/>
                 <a:cs typeface="+mn-cs"/>
               </a:rPr>
+              <a:t>A data warehouse is a copy of transaction data specifically structured for query and analysis.</a:t>
+            </a:r>
+          </a:p>
+          <a:p>
+            <a:endParaRPr lang="en-US" sz="1200" b="1" i="0" kern="1200" dirty="0">
+              <a:solidFill>
+                <a:schemeClr val="tx1"/>
+              </a:solidFill>
+              <a:effectLst/>
+              <a:latin typeface="+mn-lt"/>
+              <a:ea typeface="+mn-ea"/>
+              <a:cs typeface="+mn-cs"/>
+            </a:endParaRPr>
+          </a:p>
+          <a:p>
+            <a:r>
+              <a:rPr lang="en-US" sz="1200" b="1" i="0" kern="1200" dirty="0">
+                <a:solidFill>
+                  <a:schemeClr val="tx1"/>
+                </a:solidFill>
+                <a:effectLst/>
+                <a:latin typeface="+mn-lt"/>
+                <a:ea typeface="+mn-ea"/>
+                <a:cs typeface="+mn-cs"/>
+              </a:rPr>
               <a:t>Enterprise resource planning</a:t>
             </a:r>
             <a:r>
@@ -4853,7 +4883,7 @@
     </p:spTree>
     <p:extLst>
       <p:ext uri="{BB962C8B-B14F-4D97-AF65-F5344CB8AC3E}">
-        <p14:creationId xmlns:p14="http://schemas.microsoft.com/office/powerpoint/2010/main" val="1887925628"/>
+        <p14:creationId xmlns:p14="http://schemas.microsoft.com/office/powerpoint/2010/main" val="1324051236"/>
       </p:ext>
     </p:extLst>
   </p:cSld>
@@ -5585,7 +5615,7 @@
           <a:p>
             <a:fld id="{7F354F3F-60A0-4A15-B170-49AAD684EC3D}" type="datetimeFigureOut">
               <a:rPr lang="en-US" smtClean="0"/>
-              <a:t>2/18/2020</a:t>
+              <a:t>2/19/2020</a:t>
             </a:fld>
             <a:endParaRPr lang="en-US"/>
           </a:p>
@@ -5836,7 +5866,7 @@
           <a:p>
             <a:fld id="{7F354F3F-60A0-4A15-B170-49AAD684EC3D}" type="datetimeFigureOut">
               <a:rPr lang="en-US" smtClean="0"/>
-              <a:t>2/18/2020</a:t>
+              <a:t>2/19/2020</a:t>
             </a:fld>
             <a:endParaRPr lang="en-US"/>
           </a:p>
@@ -6150,7 +6180,7 @@
           <a:p>
             <a:fld id="{7F354F3F-60A0-4A15-B170-49AAD684EC3D}" type="datetimeFigureOut">
               <a:rPr lang="en-US" smtClean="0"/>
-              <a:t>2/18/2020</a:t>
+              <a:t>2/19/2020</a:t>
             </a:fld>
             <a:endParaRPr lang="en-US"/>
           </a:p>
@@ -6491,7 +6521,7 @@
           <a:p>
             <a:fld id="{7F354F3F-60A0-4A15-B170-49AAD684EC3D}" type="datetimeFigureOut">
               <a:rPr lang="en-US" smtClean="0"/>
-              <a:t>2/18/2020</a:t>
+              <a:t>2/19/2020</a:t>
             </a:fld>
             <a:endParaRPr lang="en-US"/>
           </a:p>
@@ -6805,7 +6835,7 @@
           <a:p>
             <a:fld id="{7F354F3F-60A0-4A15-B170-49AAD684EC3D}" type="datetimeFigureOut">
               <a:rPr lang="en-US" smtClean="0"/>
-              <a:t>2/18/2020</a:t>
+              <a:t>2/19/2020</a:t>
             </a:fld>
             <a:endParaRPr lang="en-US"/>
           </a:p>
@@ -7198,7 +7228,7 @@
           <a:p>
             <a:fld id="{7F354F3F-60A0-4A15-B170-49AAD684EC3D}" type="datetimeFigureOut">
               <a:rPr lang="en-US" smtClean="0"/>
-              <a:t>2/18/2020</a:t>
+              <a:t>2/19/2020</a:t>
             </a:fld>
             <a:endParaRPr lang="en-US"/>
           </a:p>
@@ -7368,7 +7398,7 @@
           <a:p>
             <a:fld id="{7F354F3F-60A0-4A15-B170-49AAD684EC3D}" type="datetimeFigureOut">
               <a:rPr lang="en-US" smtClean="0"/>
-              <a:t>2/18/2020</a:t>
+              <a:t>2/19/2020</a:t>
             </a:fld>
             <a:endParaRPr lang="en-US"/>
           </a:p>
@@ -7548,7 +7578,7 @@
           <a:p>
             <a:fld id="{7F354F3F-60A0-4A15-B170-49AAD684EC3D}" type="datetimeFigureOut">
               <a:rPr lang="en-US" smtClean="0"/>
-              <a:t>2/18/2020</a:t>
+              <a:t>2/19/2020</a:t>
             </a:fld>
             <a:endParaRPr lang="en-US"/>
           </a:p>
@@ -7724,7 +7754,7 @@
           <a:p>
             <a:fld id="{7F354F3F-60A0-4A15-B170-49AAD684EC3D}" type="datetimeFigureOut">
               <a:rPr lang="en-US" smtClean="0"/>
-              <a:t>2/18/2020</a:t>
+              <a:t>2/19/2020</a:t>
             </a:fld>
             <a:endParaRPr lang="en-US"/>
           </a:p>
@@ -7971,7 +8001,7 @@
           <a:p>
             <a:fld id="{7F354F3F-60A0-4A15-B170-49AAD684EC3D}" type="datetimeFigureOut">
               <a:rPr lang="en-US" smtClean="0"/>
-              <a:t>2/18/2020</a:t>
+              <a:t>2/19/2020</a:t>
             </a:fld>
             <a:endParaRPr lang="en-US"/>
           </a:p>
@@ -8203,7 +8233,7 @@
           <a:p>
             <a:fld id="{7F354F3F-60A0-4A15-B170-49AAD684EC3D}" type="datetimeFigureOut">
               <a:rPr lang="en-US" smtClean="0"/>
-              <a:t>2/18/2020</a:t>
+              <a:t>2/19/2020</a:t>
             </a:fld>
             <a:endParaRPr lang="en-US"/>
           </a:p>
@@ -8577,7 +8607,7 @@
           <a:p>
             <a:fld id="{7F354F3F-60A0-4A15-B170-49AAD684EC3D}" type="datetimeFigureOut">
               <a:rPr lang="en-US" smtClean="0"/>
-              <a:t>2/18/2020</a:t>
+              <a:t>2/19/2020</a:t>
             </a:fld>
             <a:endParaRPr lang="en-US"/>
           </a:p>
@@ -8700,7 +8730,7 @@
           <a:p>
             <a:fld id="{7F354F3F-60A0-4A15-B170-49AAD684EC3D}" type="datetimeFigureOut">
               <a:rPr lang="en-US" smtClean="0"/>
-              <a:t>2/18/2020</a:t>
+              <a:t>2/19/2020</a:t>
             </a:fld>
             <a:endParaRPr lang="en-US"/>
           </a:p>
@@ -8795,7 +8825,7 @@
           <a:p>
             <a:fld id="{7F354F3F-60A0-4A15-B170-49AAD684EC3D}" type="datetimeFigureOut">
               <a:rPr lang="en-US" smtClean="0"/>
-              <a:t>2/18/2020</a:t>
+              <a:t>2/19/2020</a:t>
             </a:fld>
             <a:endParaRPr lang="en-US"/>
           </a:p>
@@ -9050,7 +9080,7 @@
           <a:p>
             <a:fld id="{7F354F3F-60A0-4A15-B170-49AAD684EC3D}" type="datetimeFigureOut">
               <a:rPr lang="en-US" smtClean="0"/>
-              <a:t>2/18/2020</a:t>
+              <a:t>2/19/2020</a:t>
             </a:fld>
             <a:endParaRPr lang="en-US"/>
           </a:p>
@@ -9313,7 +9343,7 @@
           <a:p>
             <a:fld id="{7F354F3F-60A0-4A15-B170-49AAD684EC3D}" type="datetimeFigureOut">
               <a:rPr lang="en-US" smtClean="0"/>
-              <a:t>2/18/2020</a:t>
+              <a:t>2/19/2020</a:t>
             </a:fld>
             <a:endParaRPr lang="en-US"/>
           </a:p>
@@ -10056,7 +10086,7 @@
           <a:p>
             <a:fld id="{7F354F3F-60A0-4A15-B170-49AAD684EC3D}" type="datetimeFigureOut">
               <a:rPr lang="en-US" smtClean="0"/>
-              <a:t>2/18/2020</a:t>
+              <a:t>2/19/2020</a:t>
             </a:fld>
             <a:endParaRPr lang="en-US"/>
           </a:p>
@@ -11755,7 +11785,7 @@
           <a:graphicData uri="http://schemas.openxmlformats.org/presentationml/2006/ole">
             <mc:AlternateContent xmlns:mc="http://schemas.openxmlformats.org/markup-compatibility/2006">
               <mc:Choice xmlns:v="urn:schemas-microsoft-com:vml" Requires="v">
-                <p:oleObj spid="_x0000_s1036" name="Document" r:id="rId4" imgW="11172825" imgH="6858000" progId="Word.Document.8">
+                <p:oleObj spid="_x0000_s1041" name="Document" r:id="rId4" imgW="11172825" imgH="6858000" progId="Word.Document.8">
                   <p:embed/>
                 </p:oleObj>
               </mc:Choice>
@@ -11850,7 +11880,7 @@
       </p:grpSpPr>
       <p:grpSp>
         <p:nvGrpSpPr>
-          <p:cNvPr id="11" name="Group 10">
+          <p:cNvPr id="99" name="Group 85">
             <a:extLst>
               <a:ext uri="{FF2B5EF4-FFF2-40B4-BE49-F238E27FC236}">
                 <a16:creationId xmlns:a16="http://schemas.microsoft.com/office/drawing/2014/main" id="{B4DE830A-B531-4A3B-96F6-0ECE88B08555}"/>
@@ -11881,7 +11911,7 @@
         </p:grpSpPr>
         <p:cxnSp>
           <p:nvCxnSpPr>
-            <p:cNvPr id="12" name="Straight Connector 11">
+            <p:cNvPr id="87" name="Straight Connector 86">
               <a:extLst>
                 <a:ext uri="{FF2B5EF4-FFF2-40B4-BE49-F238E27FC236}">
                   <a16:creationId xmlns:a16="http://schemas.microsoft.com/office/drawing/2014/main" id="{2813DF2C-461A-4A8F-9679-A172790D1F3A}"/>
@@ -11933,7 +11963,7 @@
         </p:cxnSp>
         <p:cxnSp>
           <p:nvCxnSpPr>
-            <p:cNvPr id="13" name="Straight Connector 12">
+            <p:cNvPr id="88" name="Straight Connector 87">
               <a:extLst>
                 <a:ext uri="{FF2B5EF4-FFF2-40B4-BE49-F238E27FC236}">
                   <a16:creationId xmlns:a16="http://schemas.microsoft.com/office/drawing/2014/main" id="{54CD3A85-C039-4249-86E4-1EB9318B5495}"/>
@@ -11985,7 +12015,7 @@
         </p:cxnSp>
         <p:sp>
           <p:nvSpPr>
-            <p:cNvPr id="14" name="Rectangle 23">
+            <p:cNvPr id="89" name="Rectangle 23">
               <a:extLst>
                 <a:ext uri="{FF2B5EF4-FFF2-40B4-BE49-F238E27FC236}">
                   <a16:creationId xmlns:a16="http://schemas.microsoft.com/office/drawing/2014/main" id="{887EA6D2-2883-42C2-993D-094CA6D65DA3}"/>
@@ -12063,7 +12093,7 @@
         </p:sp>
         <p:sp>
           <p:nvSpPr>
-            <p:cNvPr id="15" name="Rectangle 25">
+            <p:cNvPr id="90" name="Rectangle 25">
               <a:extLst>
                 <a:ext uri="{FF2B5EF4-FFF2-40B4-BE49-F238E27FC236}">
                   <a16:creationId xmlns:a16="http://schemas.microsoft.com/office/drawing/2014/main" id="{3B895046-636F-4D1B-ACA4-29AA0CB3329F}"/>
@@ -12141,7 +12171,7 @@
         </p:sp>
         <p:sp>
           <p:nvSpPr>
-            <p:cNvPr id="16" name="Isosceles Triangle 15">
+            <p:cNvPr id="91" name="Isosceles Triangle 90">
               <a:extLst>
                 <a:ext uri="{FF2B5EF4-FFF2-40B4-BE49-F238E27FC236}">
                   <a16:creationId xmlns:a16="http://schemas.microsoft.com/office/drawing/2014/main" id="{C6B0CDE3-E054-4EDD-A43B-F96843D8BF51}"/>
@@ -12197,7 +12227,7 @@
         </p:sp>
         <p:sp>
           <p:nvSpPr>
-            <p:cNvPr id="17" name="Rectangle 27">
+            <p:cNvPr id="92" name="Rectangle 27">
               <a:extLst>
                 <a:ext uri="{FF2B5EF4-FFF2-40B4-BE49-F238E27FC236}">
                   <a16:creationId xmlns:a16="http://schemas.microsoft.com/office/drawing/2014/main" id="{3B66B1A2-F145-4C9B-85CC-4BF30D58CBC5}"/>
@@ -12276,7 +12306,7 @@
         </p:sp>
         <p:sp>
           <p:nvSpPr>
-            <p:cNvPr id="18" name="Rectangle 28">
+            <p:cNvPr id="93" name="Rectangle 28">
               <a:extLst>
                 <a:ext uri="{FF2B5EF4-FFF2-40B4-BE49-F238E27FC236}">
                   <a16:creationId xmlns:a16="http://schemas.microsoft.com/office/drawing/2014/main" id="{5D4FC972-94B3-4035-8D31-E668C132B411}"/>
@@ -12356,7 +12386,7 @@
         </p:sp>
         <p:sp>
           <p:nvSpPr>
-            <p:cNvPr id="19" name="Rectangle 29">
+            <p:cNvPr id="94" name="Rectangle 29">
               <a:extLst>
                 <a:ext uri="{FF2B5EF4-FFF2-40B4-BE49-F238E27FC236}">
                   <a16:creationId xmlns:a16="http://schemas.microsoft.com/office/drawing/2014/main" id="{374B9941-AFBE-4A77-A50E-B6EA04A746AE}"/>
@@ -12434,7 +12464,7 @@
         </p:sp>
         <p:sp>
           <p:nvSpPr>
-            <p:cNvPr id="20" name="Isosceles Triangle 19">
+            <p:cNvPr id="95" name="Isosceles Triangle 94">
               <a:extLst>
                 <a:ext uri="{FF2B5EF4-FFF2-40B4-BE49-F238E27FC236}">
                   <a16:creationId xmlns:a16="http://schemas.microsoft.com/office/drawing/2014/main" id="{27A982C5-2C38-4CE9-BC18-94697AD657FB}"/>
@@ -12490,7 +12520,7 @@
         </p:sp>
         <p:sp>
           <p:nvSpPr>
-            <p:cNvPr id="21" name="Isosceles Triangle 20">
+            <p:cNvPr id="96" name="Isosceles Triangle 95">
               <a:extLst>
                 <a:ext uri="{FF2B5EF4-FFF2-40B4-BE49-F238E27FC236}">
                   <a16:creationId xmlns:a16="http://schemas.microsoft.com/office/drawing/2014/main" id="{0060D8D1-7BB1-498F-AFBB-ADAC130A9E90}"/>
@@ -12563,8 +12593,8 @@
         </p:nvSpPr>
         <p:spPr>
           <a:xfrm>
-            <a:off x="985969" y="4553712"/>
-            <a:ext cx="8288032" cy="1096316"/>
+            <a:off x="6094855" y="1261331"/>
+            <a:ext cx="3497565" cy="3002662"/>
           </a:xfrm>
         </p:spPr>
         <p:txBody>
@@ -12573,13 +12603,13 @@
           </a:bodyPr>
           <a:lstStyle/>
           <a:p>
-            <a:pPr algn="ctr">
+            <a:pPr>
               <a:lnSpc>
                 <a:spcPct val="90000"/>
               </a:lnSpc>
             </a:pPr>
             <a:r>
-              <a:rPr lang="en-US" sz="2600" kern="1200">
+              <a:rPr lang="en-US" sz="2800" kern="1200">
                 <a:solidFill>
                   <a:schemeClr val="accent1"/>
                 </a:solidFill>
@@ -12610,8 +12640,8 @@
         </p:nvSpPr>
         <p:spPr>
           <a:xfrm>
-            <a:off x="985969" y="5650029"/>
-            <a:ext cx="8288032" cy="469122"/>
+            <a:off x="6094374" y="4263992"/>
+            <a:ext cx="3498045" cy="1325857"/>
           </a:xfrm>
         </p:spPr>
         <p:txBody>
@@ -12620,7 +12650,6 @@
           </a:bodyPr>
           <a:lstStyle/>
           <a:p>
-            <a:pPr algn="ctr"/>
             <a:r>
               <a:rPr lang="en-US" sz="1800">
                 <a:solidFill>
@@ -12635,21 +12664,77 @@
           </a:p>
         </p:txBody>
       </p:sp>
+      <p:sp>
+        <p:nvSpPr>
+          <p:cNvPr id="98" name="Isosceles Triangle 97">
+            <a:extLst>
+              <a:ext uri="{FF2B5EF4-FFF2-40B4-BE49-F238E27FC236}">
+                <a16:creationId xmlns:a16="http://schemas.microsoft.com/office/drawing/2014/main" id="{AA330523-F25B-4007-B3E5-ABB5637D160A}"/>
+              </a:ext>
+              <a:ext uri="{C183D7F6-B498-43B3-948B-1728B52AA6E4}">
+                <adec:decorative xmlns:adec="http://schemas.microsoft.com/office/drawing/2017/decorative" val="1"/>
+              </a:ext>
+            </a:extLst>
+          </p:cNvPr>
+          <p:cNvSpPr>
+            <a:spLocks noGrp="1" noRot="1" noChangeAspect="1" noMove="1" noResize="1" noEditPoints="1" noAdjustHandles="1" noChangeArrowheads="1" noChangeShapeType="1" noTextEdit="1"/>
+          </p:cNvSpPr>
+          <p:nvPr>
+            <p:extLst>
+              <p:ext uri="{386F3935-93C4-4BCD-93E2-E3B085C9AB24}">
+                <p16:designElem xmlns:p16="http://schemas.microsoft.com/office/powerpoint/2015/main" val="1"/>
+              </p:ext>
+            </p:extLst>
+          </p:nvPr>
+        </p:nvSpPr>
+        <p:spPr>
+          <a:xfrm rot="10800000">
+            <a:off x="3174" y="12700"/>
+            <a:ext cx="842596" cy="5666154"/>
+          </a:xfrm>
+          <a:prstGeom prst="triangle">
+            <a:avLst>
+              <a:gd name="adj" fmla="val 100000"/>
+            </a:avLst>
+          </a:prstGeom>
+          <a:solidFill>
+            <a:schemeClr val="accent1">
+              <a:alpha val="85000"/>
+            </a:schemeClr>
+          </a:solidFill>
+          <a:ln>
+            <a:noFill/>
+          </a:ln>
+          <a:effectLst/>
+        </p:spPr>
+        <p:style>
+          <a:lnRef idx="1">
+            <a:schemeClr val="accent1"/>
+          </a:lnRef>
+          <a:fillRef idx="3">
+            <a:schemeClr val="accent1"/>
+          </a:fillRef>
+          <a:effectRef idx="2">
+            <a:schemeClr val="accent1"/>
+          </a:effectRef>
+          <a:fontRef idx="minor">
+            <a:schemeClr val="lt1"/>
+          </a:fontRef>
+        </p:style>
+      </p:sp>
       <p:pic>
         <p:nvPicPr>
-          <p:cNvPr id="4" name="Content Placeholder 6" descr="A screenshot of a cell phone&#10;&#10;Description automatically generated">
+          <p:cNvPr id="67" name="Content Placeholder 4" descr="A picture containing text&#10;&#10;Description automatically generated">
             <a:extLst>
               <a:ext uri="{FF2B5EF4-FFF2-40B4-BE49-F238E27FC236}">
-                <a16:creationId xmlns:a16="http://schemas.microsoft.com/office/drawing/2014/main" id="{6A0E2F48-F748-4207-A4F9-EFAD926E8101}"/>
+                <a16:creationId xmlns:a16="http://schemas.microsoft.com/office/drawing/2014/main" id="{93D3C99A-CBEF-4236-8F85-6D1FB576B9F3}"/>
               </a:ext>
             </a:extLst>
           </p:cNvPr>
           <p:cNvPicPr>
-            <a:picLocks noGrp="1" noChangeAspect="1"/>
+            <a:picLocks noChangeAspect="1"/>
           </p:cNvPicPr>
-          <p:nvPr>
-            <p:ph type="pic" idx="1"/>
-          </p:nvPr>
+          <p:nvPr/>
         </p:nvPicPr>
         <p:blipFill>
           <a:blip r:embed="rId3">
@@ -12662,15 +12747,14 @@
               </a:ext>
             </a:extLst>
           </a:blip>
-          <a:srcRect t="1058" b="1058"/>
           <a:stretch>
             <a:fillRect/>
           </a:stretch>
         </p:blipFill>
         <p:spPr>
           <a:xfrm>
-            <a:off x="1446077" y="934222"/>
-            <a:ext cx="7367814" cy="3299450"/>
+            <a:off x="888603" y="1999449"/>
+            <a:ext cx="4887354" cy="2859102"/>
           </a:xfrm>
           <a:prstGeom prst="rect">
             <a:avLst/>
@@ -12679,10 +12763,10 @@
       </p:pic>
       <p:sp>
         <p:nvSpPr>
-          <p:cNvPr id="5" name="TextBox 4">
+          <p:cNvPr id="68" name="TextBox 67">
             <a:extLst>
               <a:ext uri="{FF2B5EF4-FFF2-40B4-BE49-F238E27FC236}">
-                <a16:creationId xmlns:a16="http://schemas.microsoft.com/office/drawing/2014/main" id="{A799ED8D-23F4-40D9-B909-1B9AF9A244D1}"/>
+                <a16:creationId xmlns:a16="http://schemas.microsoft.com/office/drawing/2014/main" id="{3F6C380C-8A52-492D-AB32-5D033D8AE332}"/>
               </a:ext>
             </a:extLst>
           </p:cNvPr>
@@ -12691,8 +12775,8 @@
         </p:nvSpPr>
         <p:spPr>
           <a:xfrm>
-            <a:off x="6417081" y="4033617"/>
-            <a:ext cx="2396810" cy="200055"/>
+            <a:off x="3249304" y="4658496"/>
+            <a:ext cx="2526653" cy="200055"/>
           </a:xfrm>
           <a:prstGeom prst="rect">
             <a:avLst/>
@@ -12713,11 +12797,11 @@
               </a:spcAft>
             </a:pPr>
             <a:r>
-              <a:rPr lang="en-US" sz="700" dirty="0">
+              <a:rPr lang="en-US" sz="700">
                 <a:solidFill>
                   <a:srgbClr val="FFFFFF"/>
                 </a:solidFill>
-                <a:hlinkClick r:id="rId4" tooltip="http://bus206.pressbooks.com/chapter/chapter-4-data-and-databases/">
+                <a:hlinkClick r:id="rId4" tooltip="https://en.wikipedia.org/wiki/Data_warehouse">
                   <a:extLst>
                     <a:ext uri="{A12FA001-AC4F-418D-AE19-62706E023703}">
                       <ahyp:hlinkClr xmlns:ahyp="http://schemas.microsoft.com/office/drawing/2018/hyperlinkcolor" val="tx"/>
@@ -12728,7 +12812,7 @@
               <a:t>This Photo</a:t>
             </a:r>
             <a:r>
-              <a:rPr lang="en-US" sz="700" dirty="0">
+              <a:rPr lang="en-US" sz="700">
                 <a:solidFill>
                   <a:srgbClr val="FFFFFF"/>
                 </a:solidFill>
@@ -12736,11 +12820,11 @@
               <a:t> by Unknown Author is licensed under </a:t>
             </a:r>
             <a:r>
-              <a:rPr lang="en-US" sz="700" dirty="0">
+              <a:rPr lang="en-US" sz="700">
                 <a:solidFill>
                   <a:srgbClr val="FFFFFF"/>
                 </a:solidFill>
-                <a:hlinkClick r:id="rId5" tooltip="https://creativecommons.org/licenses/by/3.0/">
+                <a:hlinkClick r:id="rId5" tooltip="https://creativecommons.org/licenses/by-sa/3.0/">
                   <a:extLst>
                     <a:ext uri="{A12FA001-AC4F-418D-AE19-62706E023703}">
                       <ahyp:hlinkClr xmlns:ahyp="http://schemas.microsoft.com/office/drawing/2018/hyperlinkcolor" val="tx"/>
@@ -12748,9 +12832,9 @@
                   </a:extLst>
                 </a:hlinkClick>
               </a:rPr>
-              <a:t>CC BY</a:t>
-            </a:r>
-            <a:endParaRPr lang="en-US" sz="700" dirty="0">
+              <a:t>CC BY-SA</a:t>
+            </a:r>
+            <a:endParaRPr lang="en-US" sz="700">
               <a:solidFill>
                 <a:srgbClr val="FFFFFF"/>
               </a:solidFill>
@@ -15318,7 +15402,7 @@
               </a:lnSpc>
             </a:pPr>
             <a:r>
-              <a:rPr lang="en-US" sz="3400" kern="1200">
+              <a:rPr lang="en-US" sz="3400" kern="1200" dirty="0">
                 <a:solidFill>
                   <a:schemeClr val="accent1"/>
                 </a:solidFill>
@@ -15326,7 +15410,7 @@
                 <a:ea typeface="+mj-ea"/>
                 <a:cs typeface="+mj-cs"/>
               </a:rPr>
-              <a:t>Previous data is not erased from data warehouse when new data is added to it</a:t>
+              <a:t>When new data is added to the data warehouse, previous data is not erased</a:t>
             </a:r>
           </a:p>
         </p:txBody>
@@ -15423,6 +15507,14 @@
 <file path=ppt/slides/slide8.xml><?xml version="1.0" encoding="utf-8"?>
 <p:sld xmlns:a="http://schemas.openxmlformats.org/drawingml/2006/main" xmlns:r="http://schemas.openxmlformats.org/officeDocument/2006/relationships" xmlns:p="http://schemas.openxmlformats.org/presentationml/2006/main">
   <p:cSld>
+    <p:bg>
+      <p:bgPr>
+        <a:solidFill>
+          <a:schemeClr val="bg1"/>
+        </a:solidFill>
+        <a:effectLst/>
+      </p:bgPr>
+    </p:bg>
     <p:spTree>
       <p:nvGrpSpPr>
         <p:cNvPr id="1" name=""/>
@@ -15437,12 +15529,709 @@
           <a:chExt cx="0" cy="0"/>
         </a:xfrm>
       </p:grpSpPr>
+      <p:grpSp>
+        <p:nvGrpSpPr>
+          <p:cNvPr id="90" name="Group 89">
+            <a:extLst>
+              <a:ext uri="{FF2B5EF4-FFF2-40B4-BE49-F238E27FC236}">
+                <a16:creationId xmlns:a16="http://schemas.microsoft.com/office/drawing/2014/main" id="{B4DE830A-B531-4A3B-96F6-0ECE88B08555}"/>
+              </a:ext>
+              <a:ext uri="{C183D7F6-B498-43B3-948B-1728B52AA6E4}">
+                <adec:decorative xmlns:adec="http://schemas.microsoft.com/office/drawing/2017/decorative" val="1"/>
+              </a:ext>
+            </a:extLst>
+          </p:cNvPr>
+          <p:cNvGrpSpPr>
+            <a:grpSpLocks noGrp="1" noUngrp="1" noRot="1" noChangeAspect="1" noMove="1" noResize="1"/>
+          </p:cNvGrpSpPr>
+          <p:nvPr>
+            <p:extLst>
+              <p:ext uri="{386F3935-93C4-4BCD-93E2-E3B085C9AB24}">
+                <p16:designElem xmlns:p16="http://schemas.microsoft.com/office/powerpoint/2015/main" val="1"/>
+              </p:ext>
+            </p:extLst>
+          </p:nvPr>
+        </p:nvGrpSpPr>
+        <p:grpSpPr>
+          <a:xfrm>
+            <a:off x="0" y="-8467"/>
+            <a:ext cx="12192000" cy="6866467"/>
+            <a:chOff x="0" y="-8467"/>
+            <a:chExt cx="12192000" cy="6866467"/>
+          </a:xfrm>
+        </p:grpSpPr>
+        <p:cxnSp>
+          <p:nvCxnSpPr>
+            <p:cNvPr id="91" name="Straight Connector 90">
+              <a:extLst>
+                <a:ext uri="{FF2B5EF4-FFF2-40B4-BE49-F238E27FC236}">
+                  <a16:creationId xmlns:a16="http://schemas.microsoft.com/office/drawing/2014/main" id="{2813DF2C-461A-4A8F-9679-A172790D1F3A}"/>
+                </a:ext>
+                <a:ext uri="{C183D7F6-B498-43B3-948B-1728B52AA6E4}">
+                  <adec:decorative xmlns:adec="http://schemas.microsoft.com/office/drawing/2017/decorative" val="1"/>
+                </a:ext>
+              </a:extLst>
+            </p:cNvPr>
+            <p:cNvCxnSpPr/>
+            <p:nvPr>
+              <p:extLst>
+                <p:ext uri="{386F3935-93C4-4BCD-93E2-E3B085C9AB24}">
+                  <p16:designElem xmlns:p16="http://schemas.microsoft.com/office/powerpoint/2015/main" val="1"/>
+                </p:ext>
+              </p:extLst>
+            </p:nvPr>
+          </p:nvCxnSpPr>
+          <p:spPr>
+            <a:xfrm>
+              <a:off x="9371012" y="0"/>
+              <a:ext cx="1219200" cy="6858000"/>
+            </a:xfrm>
+            <a:prstGeom prst="line">
+              <a:avLst/>
+            </a:prstGeom>
+            <a:ln w="9525">
+              <a:solidFill>
+                <a:schemeClr val="bg1">
+                  <a:lumMod val="75000"/>
+                </a:schemeClr>
+              </a:solidFill>
+            </a:ln>
+          </p:spPr>
+          <p:style>
+            <a:lnRef idx="2">
+              <a:schemeClr val="accent1"/>
+            </a:lnRef>
+            <a:fillRef idx="0">
+              <a:schemeClr val="accent1"/>
+            </a:fillRef>
+            <a:effectRef idx="1">
+              <a:schemeClr val="accent1"/>
+            </a:effectRef>
+            <a:fontRef idx="minor">
+              <a:schemeClr val="tx1"/>
+            </a:fontRef>
+          </p:style>
+        </p:cxnSp>
+        <p:cxnSp>
+          <p:nvCxnSpPr>
+            <p:cNvPr id="92" name="Straight Connector 91">
+              <a:extLst>
+                <a:ext uri="{FF2B5EF4-FFF2-40B4-BE49-F238E27FC236}">
+                  <a16:creationId xmlns:a16="http://schemas.microsoft.com/office/drawing/2014/main" id="{54CD3A85-C039-4249-86E4-1EB9318B5495}"/>
+                </a:ext>
+                <a:ext uri="{C183D7F6-B498-43B3-948B-1728B52AA6E4}">
+                  <adec:decorative xmlns:adec="http://schemas.microsoft.com/office/drawing/2017/decorative" val="1"/>
+                </a:ext>
+              </a:extLst>
+            </p:cNvPr>
+            <p:cNvCxnSpPr/>
+            <p:nvPr>
+              <p:extLst>
+                <p:ext uri="{386F3935-93C4-4BCD-93E2-E3B085C9AB24}">
+                  <p16:designElem xmlns:p16="http://schemas.microsoft.com/office/powerpoint/2015/main" val="1"/>
+                </p:ext>
+              </p:extLst>
+            </p:nvPr>
+          </p:nvCxnSpPr>
+          <p:spPr>
+            <a:xfrm flipH="1">
+              <a:off x="7425267" y="3681413"/>
+              <a:ext cx="4763558" cy="3176587"/>
+            </a:xfrm>
+            <a:prstGeom prst="line">
+              <a:avLst/>
+            </a:prstGeom>
+            <a:ln w="9525">
+              <a:solidFill>
+                <a:schemeClr val="bg1">
+                  <a:lumMod val="85000"/>
+                </a:schemeClr>
+              </a:solidFill>
+            </a:ln>
+          </p:spPr>
+          <p:style>
+            <a:lnRef idx="2">
+              <a:schemeClr val="accent1"/>
+            </a:lnRef>
+            <a:fillRef idx="0">
+              <a:schemeClr val="accent1"/>
+            </a:fillRef>
+            <a:effectRef idx="1">
+              <a:schemeClr val="accent1"/>
+            </a:effectRef>
+            <a:fontRef idx="minor">
+              <a:schemeClr val="tx1"/>
+            </a:fontRef>
+          </p:style>
+        </p:cxnSp>
+        <p:sp>
+          <p:nvSpPr>
+            <p:cNvPr id="93" name="Rectangle 23">
+              <a:extLst>
+                <a:ext uri="{FF2B5EF4-FFF2-40B4-BE49-F238E27FC236}">
+                  <a16:creationId xmlns:a16="http://schemas.microsoft.com/office/drawing/2014/main" id="{887EA6D2-2883-42C2-993D-094CA6D65DA3}"/>
+                </a:ext>
+                <a:ext uri="{C183D7F6-B498-43B3-948B-1728B52AA6E4}">
+                  <adec:decorative xmlns:adec="http://schemas.microsoft.com/office/drawing/2017/decorative" val="1"/>
+                </a:ext>
+              </a:extLst>
+            </p:cNvPr>
+            <p:cNvSpPr/>
+            <p:nvPr>
+              <p:extLst>
+                <p:ext uri="{386F3935-93C4-4BCD-93E2-E3B085C9AB24}">
+                  <p16:designElem xmlns:p16="http://schemas.microsoft.com/office/powerpoint/2015/main" val="1"/>
+                </p:ext>
+              </p:extLst>
+            </p:nvPr>
+          </p:nvSpPr>
+          <p:spPr>
+            <a:xfrm>
+              <a:off x="9181476" y="-8467"/>
+              <a:ext cx="3007349" cy="6866467"/>
+            </a:xfrm>
+            <a:custGeom>
+              <a:avLst/>
+              <a:gdLst/>
+              <a:ahLst/>
+              <a:cxnLst/>
+              <a:rect l="l" t="t" r="r" b="b"/>
+              <a:pathLst>
+                <a:path w="3007349" h="6866467">
+                  <a:moveTo>
+                    <a:pt x="2045532" y="0"/>
+                  </a:moveTo>
+                  <a:lnTo>
+                    <a:pt x="3007349" y="0"/>
+                  </a:lnTo>
+                  <a:lnTo>
+                    <a:pt x="3007349" y="6866467"/>
+                  </a:lnTo>
+                  <a:lnTo>
+                    <a:pt x="0" y="6866467"/>
+                  </a:lnTo>
+                  <a:lnTo>
+                    <a:pt x="2045532" y="0"/>
+                  </a:lnTo>
+                  <a:close/>
+                </a:path>
+              </a:pathLst>
+            </a:custGeom>
+            <a:solidFill>
+              <a:schemeClr val="accent1">
+                <a:alpha val="30000"/>
+              </a:schemeClr>
+            </a:solidFill>
+            <a:ln>
+              <a:noFill/>
+            </a:ln>
+            <a:effectLst/>
+          </p:spPr>
+          <p:style>
+            <a:lnRef idx="1">
+              <a:schemeClr val="accent1"/>
+            </a:lnRef>
+            <a:fillRef idx="3">
+              <a:schemeClr val="accent1"/>
+            </a:fillRef>
+            <a:effectRef idx="2">
+              <a:schemeClr val="accent1"/>
+            </a:effectRef>
+            <a:fontRef idx="minor">
+              <a:schemeClr val="lt1"/>
+            </a:fontRef>
+          </p:style>
+        </p:sp>
+        <p:sp>
+          <p:nvSpPr>
+            <p:cNvPr id="94" name="Rectangle 25">
+              <a:extLst>
+                <a:ext uri="{FF2B5EF4-FFF2-40B4-BE49-F238E27FC236}">
+                  <a16:creationId xmlns:a16="http://schemas.microsoft.com/office/drawing/2014/main" id="{3B895046-636F-4D1B-ACA4-29AA0CB3329F}"/>
+                </a:ext>
+                <a:ext uri="{C183D7F6-B498-43B3-948B-1728B52AA6E4}">
+                  <adec:decorative xmlns:adec="http://schemas.microsoft.com/office/drawing/2017/decorative" val="1"/>
+                </a:ext>
+              </a:extLst>
+            </p:cNvPr>
+            <p:cNvSpPr/>
+            <p:nvPr>
+              <p:extLst>
+                <p:ext uri="{386F3935-93C4-4BCD-93E2-E3B085C9AB24}">
+                  <p16:designElem xmlns:p16="http://schemas.microsoft.com/office/powerpoint/2015/main" val="1"/>
+                </p:ext>
+              </p:extLst>
+            </p:nvPr>
+          </p:nvSpPr>
+          <p:spPr>
+            <a:xfrm>
+              <a:off x="9603442" y="-8467"/>
+              <a:ext cx="2588558" cy="6866467"/>
+            </a:xfrm>
+            <a:custGeom>
+              <a:avLst/>
+              <a:gdLst/>
+              <a:ahLst/>
+              <a:cxnLst/>
+              <a:rect l="l" t="t" r="r" b="b"/>
+              <a:pathLst>
+                <a:path w="2573311" h="6866467">
+                  <a:moveTo>
+                    <a:pt x="0" y="0"/>
+                  </a:moveTo>
+                  <a:lnTo>
+                    <a:pt x="2573311" y="0"/>
+                  </a:lnTo>
+                  <a:lnTo>
+                    <a:pt x="2573311" y="6866467"/>
+                  </a:lnTo>
+                  <a:lnTo>
+                    <a:pt x="1202336" y="6866467"/>
+                  </a:lnTo>
+                  <a:lnTo>
+                    <a:pt x="0" y="0"/>
+                  </a:lnTo>
+                  <a:close/>
+                </a:path>
+              </a:pathLst>
+            </a:custGeom>
+            <a:solidFill>
+              <a:schemeClr val="accent1">
+                <a:alpha val="20000"/>
+              </a:schemeClr>
+            </a:solidFill>
+            <a:ln>
+              <a:noFill/>
+            </a:ln>
+            <a:effectLst/>
+          </p:spPr>
+          <p:style>
+            <a:lnRef idx="1">
+              <a:schemeClr val="accent1"/>
+            </a:lnRef>
+            <a:fillRef idx="3">
+              <a:schemeClr val="accent1"/>
+            </a:fillRef>
+            <a:effectRef idx="2">
+              <a:schemeClr val="accent1"/>
+            </a:effectRef>
+            <a:fontRef idx="minor">
+              <a:schemeClr val="lt1"/>
+            </a:fontRef>
+          </p:style>
+        </p:sp>
+        <p:sp>
+          <p:nvSpPr>
+            <p:cNvPr id="95" name="Isosceles Triangle 94">
+              <a:extLst>
+                <a:ext uri="{FF2B5EF4-FFF2-40B4-BE49-F238E27FC236}">
+                  <a16:creationId xmlns:a16="http://schemas.microsoft.com/office/drawing/2014/main" id="{C6B0CDE3-E054-4EDD-A43B-F96843D8BF51}"/>
+                </a:ext>
+                <a:ext uri="{C183D7F6-B498-43B3-948B-1728B52AA6E4}">
+                  <adec:decorative xmlns:adec="http://schemas.microsoft.com/office/drawing/2017/decorative" val="1"/>
+                </a:ext>
+              </a:extLst>
+            </p:cNvPr>
+            <p:cNvSpPr/>
+            <p:nvPr>
+              <p:extLst>
+                <p:ext uri="{386F3935-93C4-4BCD-93E2-E3B085C9AB24}">
+                  <p16:designElem xmlns:p16="http://schemas.microsoft.com/office/powerpoint/2015/main" val="1"/>
+                </p:ext>
+              </p:extLst>
+            </p:nvPr>
+          </p:nvSpPr>
+          <p:spPr>
+            <a:xfrm>
+              <a:off x="8932333" y="3048000"/>
+              <a:ext cx="3259667" cy="3810000"/>
+            </a:xfrm>
+            <a:prstGeom prst="triangle">
+              <a:avLst>
+                <a:gd name="adj" fmla="val 100000"/>
+              </a:avLst>
+            </a:prstGeom>
+            <a:solidFill>
+              <a:schemeClr val="accent2">
+                <a:alpha val="72000"/>
+              </a:schemeClr>
+            </a:solidFill>
+            <a:ln>
+              <a:noFill/>
+            </a:ln>
+            <a:effectLst/>
+          </p:spPr>
+          <p:style>
+            <a:lnRef idx="1">
+              <a:schemeClr val="accent1"/>
+            </a:lnRef>
+            <a:fillRef idx="3">
+              <a:schemeClr val="accent1"/>
+            </a:fillRef>
+            <a:effectRef idx="2">
+              <a:schemeClr val="accent1"/>
+            </a:effectRef>
+            <a:fontRef idx="minor">
+              <a:schemeClr val="lt1"/>
+            </a:fontRef>
+          </p:style>
+        </p:sp>
+        <p:sp>
+          <p:nvSpPr>
+            <p:cNvPr id="96" name="Rectangle 27">
+              <a:extLst>
+                <a:ext uri="{FF2B5EF4-FFF2-40B4-BE49-F238E27FC236}">
+                  <a16:creationId xmlns:a16="http://schemas.microsoft.com/office/drawing/2014/main" id="{3B66B1A2-F145-4C9B-85CC-4BF30D58CBC5}"/>
+                </a:ext>
+                <a:ext uri="{C183D7F6-B498-43B3-948B-1728B52AA6E4}">
+                  <adec:decorative xmlns:adec="http://schemas.microsoft.com/office/drawing/2017/decorative" val="1"/>
+                </a:ext>
+              </a:extLst>
+            </p:cNvPr>
+            <p:cNvSpPr/>
+            <p:nvPr>
+              <p:extLst>
+                <p:ext uri="{386F3935-93C4-4BCD-93E2-E3B085C9AB24}">
+                  <p16:designElem xmlns:p16="http://schemas.microsoft.com/office/powerpoint/2015/main" val="1"/>
+                </p:ext>
+              </p:extLst>
+            </p:nvPr>
+          </p:nvSpPr>
+          <p:spPr>
+            <a:xfrm>
+              <a:off x="9334500" y="-8467"/>
+              <a:ext cx="2854326" cy="6866467"/>
+            </a:xfrm>
+            <a:custGeom>
+              <a:avLst/>
+              <a:gdLst/>
+              <a:ahLst/>
+              <a:cxnLst/>
+              <a:rect l="l" t="t" r="r" b="b"/>
+              <a:pathLst>
+                <a:path w="2858013" h="6866467">
+                  <a:moveTo>
+                    <a:pt x="0" y="0"/>
+                  </a:moveTo>
+                  <a:lnTo>
+                    <a:pt x="2858013" y="0"/>
+                  </a:lnTo>
+                  <a:lnTo>
+                    <a:pt x="2858013" y="6866467"/>
+                  </a:lnTo>
+                  <a:lnTo>
+                    <a:pt x="2473942" y="6866467"/>
+                  </a:lnTo>
+                  <a:lnTo>
+                    <a:pt x="0" y="0"/>
+                  </a:lnTo>
+                  <a:close/>
+                </a:path>
+              </a:pathLst>
+            </a:custGeom>
+            <a:solidFill>
+              <a:schemeClr val="accent2">
+                <a:lumMod val="75000"/>
+                <a:alpha val="70000"/>
+              </a:schemeClr>
+            </a:solidFill>
+            <a:ln>
+              <a:noFill/>
+            </a:ln>
+            <a:effectLst/>
+          </p:spPr>
+          <p:style>
+            <a:lnRef idx="1">
+              <a:schemeClr val="accent1"/>
+            </a:lnRef>
+            <a:fillRef idx="3">
+              <a:schemeClr val="accent1"/>
+            </a:fillRef>
+            <a:effectRef idx="2">
+              <a:schemeClr val="accent1"/>
+            </a:effectRef>
+            <a:fontRef idx="minor">
+              <a:schemeClr val="lt1"/>
+            </a:fontRef>
+          </p:style>
+        </p:sp>
+        <p:sp>
+          <p:nvSpPr>
+            <p:cNvPr id="97" name="Rectangle 28">
+              <a:extLst>
+                <a:ext uri="{FF2B5EF4-FFF2-40B4-BE49-F238E27FC236}">
+                  <a16:creationId xmlns:a16="http://schemas.microsoft.com/office/drawing/2014/main" id="{5D4FC972-94B3-4035-8D31-E668C132B411}"/>
+                </a:ext>
+                <a:ext uri="{C183D7F6-B498-43B3-948B-1728B52AA6E4}">
+                  <adec:decorative xmlns:adec="http://schemas.microsoft.com/office/drawing/2017/decorative" val="1"/>
+                </a:ext>
+              </a:extLst>
+            </p:cNvPr>
+            <p:cNvSpPr/>
+            <p:nvPr>
+              <p:extLst>
+                <p:ext uri="{386F3935-93C4-4BCD-93E2-E3B085C9AB24}">
+                  <p16:designElem xmlns:p16="http://schemas.microsoft.com/office/powerpoint/2015/main" val="1"/>
+                </p:ext>
+              </p:extLst>
+            </p:nvPr>
+          </p:nvSpPr>
+          <p:spPr>
+            <a:xfrm>
+              <a:off x="10898730" y="-8467"/>
+              <a:ext cx="1290094" cy="6866467"/>
+            </a:xfrm>
+            <a:custGeom>
+              <a:avLst/>
+              <a:gdLst/>
+              <a:ahLst/>
+              <a:cxnLst/>
+              <a:rect l="l" t="t" r="r" b="b"/>
+              <a:pathLst>
+                <a:path w="1290094" h="6858000">
+                  <a:moveTo>
+                    <a:pt x="1019735" y="0"/>
+                  </a:moveTo>
+                  <a:lnTo>
+                    <a:pt x="1290094" y="0"/>
+                  </a:lnTo>
+                  <a:lnTo>
+                    <a:pt x="1290094" y="6858000"/>
+                  </a:lnTo>
+                  <a:lnTo>
+                    <a:pt x="0" y="6858000"/>
+                  </a:lnTo>
+                  <a:lnTo>
+                    <a:pt x="1019735" y="0"/>
+                  </a:lnTo>
+                  <a:close/>
+                </a:path>
+              </a:pathLst>
+            </a:custGeom>
+            <a:solidFill>
+              <a:schemeClr val="accent1">
+                <a:lumMod val="60000"/>
+                <a:lumOff val="40000"/>
+                <a:alpha val="70000"/>
+              </a:schemeClr>
+            </a:solidFill>
+            <a:ln>
+              <a:noFill/>
+            </a:ln>
+            <a:effectLst/>
+          </p:spPr>
+          <p:style>
+            <a:lnRef idx="1">
+              <a:schemeClr val="accent1"/>
+            </a:lnRef>
+            <a:fillRef idx="3">
+              <a:schemeClr val="accent1"/>
+            </a:fillRef>
+            <a:effectRef idx="2">
+              <a:schemeClr val="accent1"/>
+            </a:effectRef>
+            <a:fontRef idx="minor">
+              <a:schemeClr val="lt1"/>
+            </a:fontRef>
+          </p:style>
+        </p:sp>
+        <p:sp>
+          <p:nvSpPr>
+            <p:cNvPr id="98" name="Rectangle 29">
+              <a:extLst>
+                <a:ext uri="{FF2B5EF4-FFF2-40B4-BE49-F238E27FC236}">
+                  <a16:creationId xmlns:a16="http://schemas.microsoft.com/office/drawing/2014/main" id="{374B9941-AFBE-4A77-A50E-B6EA04A746AE}"/>
+                </a:ext>
+                <a:ext uri="{C183D7F6-B498-43B3-948B-1728B52AA6E4}">
+                  <adec:decorative xmlns:adec="http://schemas.microsoft.com/office/drawing/2017/decorative" val="1"/>
+                </a:ext>
+              </a:extLst>
+            </p:cNvPr>
+            <p:cNvSpPr/>
+            <p:nvPr>
+              <p:extLst>
+                <p:ext uri="{386F3935-93C4-4BCD-93E2-E3B085C9AB24}">
+                  <p16:designElem xmlns:p16="http://schemas.microsoft.com/office/powerpoint/2015/main" val="1"/>
+                </p:ext>
+              </p:extLst>
+            </p:nvPr>
+          </p:nvSpPr>
+          <p:spPr>
+            <a:xfrm>
+              <a:off x="10938999" y="-8467"/>
+              <a:ext cx="1249825" cy="6866467"/>
+            </a:xfrm>
+            <a:custGeom>
+              <a:avLst/>
+              <a:gdLst/>
+              <a:ahLst/>
+              <a:cxnLst/>
+              <a:rect l="l" t="t" r="r" b="b"/>
+              <a:pathLst>
+                <a:path w="1249825" h="6858000">
+                  <a:moveTo>
+                    <a:pt x="0" y="0"/>
+                  </a:moveTo>
+                  <a:lnTo>
+                    <a:pt x="1249825" y="0"/>
+                  </a:lnTo>
+                  <a:lnTo>
+                    <a:pt x="1249825" y="6858000"/>
+                  </a:lnTo>
+                  <a:lnTo>
+                    <a:pt x="1109382" y="6858000"/>
+                  </a:lnTo>
+                  <a:lnTo>
+                    <a:pt x="0" y="0"/>
+                  </a:lnTo>
+                  <a:close/>
+                </a:path>
+              </a:pathLst>
+            </a:custGeom>
+            <a:solidFill>
+              <a:schemeClr val="accent1">
+                <a:alpha val="65000"/>
+              </a:schemeClr>
+            </a:solidFill>
+            <a:ln>
+              <a:noFill/>
+            </a:ln>
+            <a:effectLst/>
+          </p:spPr>
+          <p:style>
+            <a:lnRef idx="1">
+              <a:schemeClr val="accent1"/>
+            </a:lnRef>
+            <a:fillRef idx="3">
+              <a:schemeClr val="accent1"/>
+            </a:fillRef>
+            <a:effectRef idx="2">
+              <a:schemeClr val="accent1"/>
+            </a:effectRef>
+            <a:fontRef idx="minor">
+              <a:schemeClr val="lt1"/>
+            </a:fontRef>
+          </p:style>
+        </p:sp>
+        <p:sp>
+          <p:nvSpPr>
+            <p:cNvPr id="99" name="Isosceles Triangle 98">
+              <a:extLst>
+                <a:ext uri="{FF2B5EF4-FFF2-40B4-BE49-F238E27FC236}">
+                  <a16:creationId xmlns:a16="http://schemas.microsoft.com/office/drawing/2014/main" id="{27A982C5-2C38-4CE9-BC18-94697AD657FB}"/>
+                </a:ext>
+                <a:ext uri="{C183D7F6-B498-43B3-948B-1728B52AA6E4}">
+                  <adec:decorative xmlns:adec="http://schemas.microsoft.com/office/drawing/2017/decorative" val="1"/>
+                </a:ext>
+              </a:extLst>
+            </p:cNvPr>
+            <p:cNvSpPr/>
+            <p:nvPr>
+              <p:extLst>
+                <p:ext uri="{386F3935-93C4-4BCD-93E2-E3B085C9AB24}">
+                  <p16:designElem xmlns:p16="http://schemas.microsoft.com/office/powerpoint/2015/main" val="1"/>
+                </p:ext>
+              </p:extLst>
+            </p:nvPr>
+          </p:nvSpPr>
+          <p:spPr>
+            <a:xfrm>
+              <a:off x="10371666" y="3589867"/>
+              <a:ext cx="1817159" cy="3268133"/>
+            </a:xfrm>
+            <a:prstGeom prst="triangle">
+              <a:avLst>
+                <a:gd name="adj" fmla="val 100000"/>
+              </a:avLst>
+            </a:prstGeom>
+            <a:solidFill>
+              <a:schemeClr val="accent1">
+                <a:alpha val="80000"/>
+              </a:schemeClr>
+            </a:solidFill>
+            <a:ln>
+              <a:noFill/>
+            </a:ln>
+            <a:effectLst/>
+          </p:spPr>
+          <p:style>
+            <a:lnRef idx="1">
+              <a:schemeClr val="accent1"/>
+            </a:lnRef>
+            <a:fillRef idx="3">
+              <a:schemeClr val="accent1"/>
+            </a:fillRef>
+            <a:effectRef idx="2">
+              <a:schemeClr val="accent1"/>
+            </a:effectRef>
+            <a:fontRef idx="minor">
+              <a:schemeClr val="lt1"/>
+            </a:fontRef>
+          </p:style>
+        </p:sp>
+        <p:sp>
+          <p:nvSpPr>
+            <p:cNvPr id="100" name="Isosceles Triangle 99">
+              <a:extLst>
+                <a:ext uri="{FF2B5EF4-FFF2-40B4-BE49-F238E27FC236}">
+                  <a16:creationId xmlns:a16="http://schemas.microsoft.com/office/drawing/2014/main" id="{0060D8D1-7BB1-498F-AFBB-ADAC130A9E90}"/>
+                </a:ext>
+                <a:ext uri="{C183D7F6-B498-43B3-948B-1728B52AA6E4}">
+                  <adec:decorative xmlns:adec="http://schemas.microsoft.com/office/drawing/2017/decorative" val="1"/>
+                </a:ext>
+              </a:extLst>
+            </p:cNvPr>
+            <p:cNvSpPr/>
+            <p:nvPr>
+              <p:extLst>
+                <p:ext uri="{386F3935-93C4-4BCD-93E2-E3B085C9AB24}">
+                  <p16:designElem xmlns:p16="http://schemas.microsoft.com/office/powerpoint/2015/main" val="1"/>
+                </p:ext>
+              </p:extLst>
+            </p:nvPr>
+          </p:nvSpPr>
+          <p:spPr>
+            <a:xfrm rot="10800000">
+              <a:off x="0" y="0"/>
+              <a:ext cx="842596" cy="5666154"/>
+            </a:xfrm>
+            <a:prstGeom prst="triangle">
+              <a:avLst>
+                <a:gd name="adj" fmla="val 100000"/>
+              </a:avLst>
+            </a:prstGeom>
+            <a:solidFill>
+              <a:schemeClr val="accent1">
+                <a:alpha val="85000"/>
+              </a:schemeClr>
+            </a:solidFill>
+            <a:ln>
+              <a:noFill/>
+            </a:ln>
+            <a:effectLst/>
+          </p:spPr>
+          <p:style>
+            <a:lnRef idx="1">
+              <a:schemeClr val="accent1"/>
+            </a:lnRef>
+            <a:fillRef idx="3">
+              <a:schemeClr val="accent1"/>
+            </a:fillRef>
+            <a:effectRef idx="2">
+              <a:schemeClr val="accent1"/>
+            </a:effectRef>
+            <a:fontRef idx="minor">
+              <a:schemeClr val="lt1"/>
+            </a:fontRef>
+          </p:style>
+        </p:sp>
+      </p:grpSp>
       <p:sp>
         <p:nvSpPr>
-          <p:cNvPr id="5" name="Title 4">
+          <p:cNvPr id="2" name="Title 1">
             <a:extLst>
               <a:ext uri="{FF2B5EF4-FFF2-40B4-BE49-F238E27FC236}">
-                <a16:creationId xmlns:a16="http://schemas.microsoft.com/office/drawing/2014/main" id="{EFA217CD-8DA3-46AF-BCA5-FBC9647BF4F3}"/>
+                <a16:creationId xmlns:a16="http://schemas.microsoft.com/office/drawing/2014/main" id="{854BEC3A-B804-4E8A-9E38-D848BCD7A878}"/>
               </a:ext>
             </a:extLst>
           </p:cNvPr>
@@ -15453,47 +16242,242 @@
             <p:ph type="title"/>
           </p:nvPr>
         </p:nvSpPr>
-        <p:spPr/>
+        <p:spPr>
+          <a:xfrm>
+            <a:off x="985969" y="4553712"/>
+            <a:ext cx="8288032" cy="1096316"/>
+          </a:xfrm>
+        </p:spPr>
         <p:txBody>
-          <a:bodyPr/>
+          <a:bodyPr vert="horz" lIns="91440" tIns="45720" rIns="91440" bIns="45720" rtlCol="0" anchor="b">
+            <a:normAutofit/>
+          </a:bodyPr>
           <a:lstStyle/>
           <a:p>
-            <a:endParaRPr lang="en-US" dirty="0"/>
+            <a:pPr algn="ctr">
+              <a:lnSpc>
+                <a:spcPct val="90000"/>
+              </a:lnSpc>
+            </a:pPr>
+            <a:r>
+              <a:rPr lang="en-US" sz="3400" kern="1200" dirty="0">
+                <a:solidFill>
+                  <a:schemeClr val="accent1"/>
+                </a:solidFill>
+                <a:latin typeface="+mj-lt"/>
+                <a:ea typeface="+mj-ea"/>
+                <a:cs typeface="+mj-cs"/>
+              </a:rPr>
+              <a:t>A multi-tiered architecture allows for higher performance and simplicity</a:t>
+            </a:r>
+          </a:p>
+        </p:txBody>
+      </p:sp>
+      <p:pic>
+        <p:nvPicPr>
+          <p:cNvPr id="23" name="Picture 22" descr="A picture containing text&#10;&#10;Description automatically generated">
+            <a:extLst>
+              <a:ext uri="{FF2B5EF4-FFF2-40B4-BE49-F238E27FC236}">
+                <a16:creationId xmlns:a16="http://schemas.microsoft.com/office/drawing/2014/main" id="{9E873E34-2441-4A67-9043-C5738534EA51}"/>
+              </a:ext>
+            </a:extLst>
+          </p:cNvPr>
+          <p:cNvPicPr>
+            <a:picLocks noChangeAspect="1"/>
+          </p:cNvPicPr>
+          <p:nvPr/>
+        </p:nvPicPr>
+        <p:blipFill>
+          <a:blip r:embed="rId3">
+            <a:extLst>
+              <a:ext uri="{28A0092B-C50C-407E-A947-70E740481C1C}">
+                <a14:useLocalDpi xmlns:a14="http://schemas.microsoft.com/office/drawing/2010/main" val="0"/>
+              </a:ext>
+              <a:ext uri="{837473B0-CC2E-450A-ABE3-18F120FF3D39}">
+                <a1611:picAttrSrcUrl xmlns:a1611="http://schemas.microsoft.com/office/drawing/2016/11/main" r:id="rId4"/>
+              </a:ext>
+            </a:extLst>
+          </a:blip>
+          <a:stretch>
+            <a:fillRect/>
+          </a:stretch>
+        </p:blipFill>
+        <p:spPr>
+          <a:xfrm>
+            <a:off x="2309942" y="934222"/>
+            <a:ext cx="5640085" cy="3299450"/>
+          </a:xfrm>
+          <a:prstGeom prst="rect">
+            <a:avLst/>
+          </a:prstGeom>
+        </p:spPr>
+      </p:pic>
+      <p:sp>
+        <p:nvSpPr>
+          <p:cNvPr id="9" name="TextBox 8">
+            <a:extLst>
+              <a:ext uri="{FF2B5EF4-FFF2-40B4-BE49-F238E27FC236}">
+                <a16:creationId xmlns:a16="http://schemas.microsoft.com/office/drawing/2014/main" id="{8244F567-D6DD-4FC9-97D9-BB24FE41EB4C}"/>
+              </a:ext>
+            </a:extLst>
+          </p:cNvPr>
+          <p:cNvSpPr txBox="1"/>
+          <p:nvPr/>
+        </p:nvSpPr>
+        <p:spPr>
+          <a:xfrm>
+            <a:off x="9665347" y="6870700"/>
+            <a:ext cx="2526653" cy="200055"/>
+          </a:xfrm>
+          <a:prstGeom prst="rect">
+            <a:avLst/>
+          </a:prstGeom>
+          <a:solidFill>
+            <a:srgbClr val="000000"/>
+          </a:solidFill>
+        </p:spPr>
+        <p:txBody>
+          <a:bodyPr wrap="none" rtlCol="0">
+            <a:spAutoFit/>
+          </a:bodyPr>
+          <a:lstStyle/>
+          <a:p>
+            <a:pPr algn="r">
+              <a:spcAft>
+                <a:spcPts val="600"/>
+              </a:spcAft>
+            </a:pPr>
+            <a:r>
+              <a:rPr lang="en-US" sz="700">
+                <a:solidFill>
+                  <a:srgbClr val="FFFFFF"/>
+                </a:solidFill>
+                <a:hlinkClick r:id="rId4" tooltip="https://en.wikipedia.org/wiki/Data_warehouse">
+                  <a:extLst>
+                    <a:ext uri="{A12FA001-AC4F-418D-AE19-62706E023703}">
+                      <ahyp:hlinkClr xmlns:ahyp="http://schemas.microsoft.com/office/drawing/2018/hyperlinkcolor" val="tx"/>
+                    </a:ext>
+                  </a:extLst>
+                </a:hlinkClick>
+              </a:rPr>
+              <a:t>This Photo</a:t>
+            </a:r>
+            <a:r>
+              <a:rPr lang="en-US" sz="700">
+                <a:solidFill>
+                  <a:srgbClr val="FFFFFF"/>
+                </a:solidFill>
+              </a:rPr>
+              <a:t> by Unknown Author is licensed under </a:t>
+            </a:r>
+            <a:r>
+              <a:rPr lang="en-US" sz="700">
+                <a:solidFill>
+                  <a:srgbClr val="FFFFFF"/>
+                </a:solidFill>
+                <a:hlinkClick r:id="rId5" tooltip="https://creativecommons.org/licenses/by-sa/3.0/">
+                  <a:extLst>
+                    <a:ext uri="{A12FA001-AC4F-418D-AE19-62706E023703}">
+                      <ahyp:hlinkClr xmlns:ahyp="http://schemas.microsoft.com/office/drawing/2018/hyperlinkcolor" val="tx"/>
+                    </a:ext>
+                  </a:extLst>
+                </a:hlinkClick>
+              </a:rPr>
+              <a:t>CC BY-SA</a:t>
+            </a:r>
+            <a:endParaRPr lang="en-US" sz="700">
+              <a:solidFill>
+                <a:srgbClr val="FFFFFF"/>
+              </a:solidFill>
+            </a:endParaRPr>
           </a:p>
         </p:txBody>
       </p:sp>
       <p:sp>
         <p:nvSpPr>
-          <p:cNvPr id="6" name="Content Placeholder 5">
+          <p:cNvPr id="24" name="TextBox 23">
             <a:extLst>
               <a:ext uri="{FF2B5EF4-FFF2-40B4-BE49-F238E27FC236}">
-                <a16:creationId xmlns:a16="http://schemas.microsoft.com/office/drawing/2014/main" id="{9B5B750B-F930-483F-BF0C-F66C71765EFE}"/>
+                <a16:creationId xmlns:a16="http://schemas.microsoft.com/office/drawing/2014/main" id="{EB2A6C11-B62E-4B17-901A-6784CA0C623B}"/>
               </a:ext>
             </a:extLst>
           </p:cNvPr>
-          <p:cNvSpPr>
-            <a:spLocks noGrp="1"/>
-          </p:cNvSpPr>
-          <p:nvPr>
-            <p:ph idx="1"/>
-          </p:nvPr>
+          <p:cNvSpPr txBox="1"/>
+          <p:nvPr/>
         </p:nvSpPr>
-        <p:spPr/>
+        <p:spPr>
+          <a:xfrm>
+            <a:off x="7125994" y="6870700"/>
+            <a:ext cx="2526653" cy="200055"/>
+          </a:xfrm>
+          <a:prstGeom prst="rect">
+            <a:avLst/>
+          </a:prstGeom>
+          <a:solidFill>
+            <a:srgbClr val="000000"/>
+          </a:solidFill>
+        </p:spPr>
         <p:txBody>
-          <a:bodyPr/>
+          <a:bodyPr wrap="none" rtlCol="0">
+            <a:spAutoFit/>
+          </a:bodyPr>
           <a:lstStyle/>
           <a:p>
-            <a:r>
-              <a:rPr lang="en-US" dirty="0"/>
-              <a:t>Operational database and data warehouse are stored separately. </a:t>
-            </a:r>
+            <a:pPr algn="r">
+              <a:spcAft>
+                <a:spcPts val="600"/>
+              </a:spcAft>
+            </a:pPr>
+            <a:r>
+              <a:rPr lang="en-US" sz="700">
+                <a:solidFill>
+                  <a:srgbClr val="FFFFFF"/>
+                </a:solidFill>
+                <a:hlinkClick r:id="rId4" tooltip="https://en.wikipedia.org/wiki/Data_warehouse">
+                  <a:extLst>
+                    <a:ext uri="{A12FA001-AC4F-418D-AE19-62706E023703}">
+                      <ahyp:hlinkClr xmlns:ahyp="http://schemas.microsoft.com/office/drawing/2018/hyperlinkcolor" val="tx"/>
+                    </a:ext>
+                  </a:extLst>
+                </a:hlinkClick>
+              </a:rPr>
+              <a:t>This Photo</a:t>
+            </a:r>
+            <a:r>
+              <a:rPr lang="en-US" sz="700">
+                <a:solidFill>
+                  <a:srgbClr val="FFFFFF"/>
+                </a:solidFill>
+              </a:rPr>
+              <a:t> by Unknown Author is licensed under </a:t>
+            </a:r>
+            <a:r>
+              <a:rPr lang="en-US" sz="700">
+                <a:solidFill>
+                  <a:srgbClr val="FFFFFF"/>
+                </a:solidFill>
+                <a:hlinkClick r:id="rId5" tooltip="https://creativecommons.org/licenses/by-sa/3.0/">
+                  <a:extLst>
+                    <a:ext uri="{A12FA001-AC4F-418D-AE19-62706E023703}">
+                      <ahyp:hlinkClr xmlns:ahyp="http://schemas.microsoft.com/office/drawing/2018/hyperlinkcolor" val="tx"/>
+                    </a:ext>
+                  </a:extLst>
+                </a:hlinkClick>
+              </a:rPr>
+              <a:t>CC BY-SA</a:t>
+            </a:r>
+            <a:endParaRPr lang="en-US" sz="700">
+              <a:solidFill>
+                <a:srgbClr val="FFFFFF"/>
+              </a:solidFill>
+            </a:endParaRPr>
           </a:p>
         </p:txBody>
       </p:sp>
     </p:spTree>
     <p:extLst>
       <p:ext uri="{BB962C8B-B14F-4D97-AF65-F5344CB8AC3E}">
-        <p14:creationId xmlns:p14="http://schemas.microsoft.com/office/powerpoint/2010/main" val="3273061193"/>
+        <p14:creationId xmlns:p14="http://schemas.microsoft.com/office/powerpoint/2010/main" val="668941176"/>
       </p:ext>
     </p:extLst>
   </p:cSld>

--- a/Data Warehousing Basic Concepts.pptx
+++ b/Data Warehousing Basic Concepts.pptx
@@ -10659,7 +10659,10 @@
           <a:bodyPr/>
           <a:lstStyle/>
           <a:p>
-            <a:endParaRPr lang="en-US"/>
+            <a:r>
+              <a:rPr lang="en-US" dirty="0"/>
+              <a:t>Hannah Andrews and Angela Hughes</a:t>
+            </a:r>
           </a:p>
         </p:txBody>
       </p:sp>
@@ -11785,7 +11788,7 @@
           <a:graphicData uri="http://schemas.openxmlformats.org/presentationml/2006/ole">
             <mc:AlternateContent xmlns:mc="http://schemas.openxmlformats.org/markup-compatibility/2006">
               <mc:Choice xmlns:v="urn:schemas-microsoft-com:vml" Requires="v">
-                <p:oleObj spid="_x0000_s1041" name="Document" r:id="rId4" imgW="11172825" imgH="6858000" progId="Word.Document.8">
+                <p:oleObj spid="_x0000_s1045" name="Document" r:id="rId4" imgW="11172825" imgH="6858000" progId="Word.Document.8">
                   <p:embed/>
                 </p:oleObj>
               </mc:Choice>
@@ -15410,7 +15413,7 @@
                 <a:ea typeface="+mj-ea"/>
                 <a:cs typeface="+mj-cs"/>
               </a:rPr>
-              <a:t>When new data is added to the data warehouse, previous data is not erased</a:t>
+              <a:t>When new data is added to the data warehouse, previous data is not erased.</a:t>
             </a:r>
           </a:p>
         </p:txBody>
@@ -16268,7 +16271,7 @@
                 <a:ea typeface="+mj-ea"/>
                 <a:cs typeface="+mj-cs"/>
               </a:rPr>
-              <a:t>A multi-tiered architecture allows for higher performance and simplicity</a:t>
+              <a:t>A multi-tiered architecture allows for higher performance and simplicity.</a:t>
             </a:r>
           </a:p>
         </p:txBody>

--- a/Data Warehousing Basic Concepts.pptx
+++ b/Data Warehousing Basic Concepts.pptx
@@ -10,11 +10,11 @@
   <p:sldIdLst>
     <p:sldId id="256" r:id="rId2"/>
     <p:sldId id="257" r:id="rId3"/>
-    <p:sldId id="261" r:id="rId4"/>
-    <p:sldId id="258" r:id="rId5"/>
-    <p:sldId id="259" r:id="rId6"/>
-    <p:sldId id="260" r:id="rId7"/>
-    <p:sldId id="262" r:id="rId8"/>
+    <p:sldId id="258" r:id="rId4"/>
+    <p:sldId id="259" r:id="rId5"/>
+    <p:sldId id="260" r:id="rId6"/>
+    <p:sldId id="262" r:id="rId7"/>
+    <p:sldId id="261" r:id="rId8"/>
     <p:sldId id="985" r:id="rId9"/>
   </p:sldIdLst>
   <p:sldSz cx="12192000" cy="6858000"/>
@@ -3551,7 +3551,7 @@
           <a:lstStyle/>
           <a:p>
             <a:r>
-              <a:rPr lang="en-US" sz="1200" b="1" i="0" kern="1200" dirty="0">
+              <a:rPr lang="en-US" sz="1200" b="0" i="0" kern="1200" dirty="0">
                 <a:solidFill>
                   <a:schemeClr val="tx1"/>
                 </a:solidFill>
@@ -3560,8 +3560,79 @@
                 <a:ea typeface="+mn-ea"/>
                 <a:cs typeface="+mn-cs"/>
               </a:rPr>
-              <a:t>A data warehouse is a copy of transaction data specifically structured for query and analysis.</a:t>
-            </a:r>
+              <a:t>“First, let’s define data warehouse. A data warehouse is a copy of transaction data specifically structured for query and analysis. Data warehouses are designed with the goal of aggregating and summarizing data from various sources across an entire organization to be used for strategic decision making. When defining data warehouses, they are often compared to operational databases, which are store short term transaction data used for day to day operations. I’ll refer to the differences between a data warehouse and operational database as we define data warehouse. </a:t>
+            </a:r>
+          </a:p>
+          <a:p>
+            <a:endParaRPr lang="en-US" sz="1200" b="0" i="0" kern="1200" dirty="0">
+              <a:solidFill>
+                <a:schemeClr val="tx1"/>
+              </a:solidFill>
+              <a:effectLst/>
+              <a:latin typeface="+mn-lt"/>
+              <a:ea typeface="+mn-ea"/>
+              <a:cs typeface="+mn-cs"/>
+            </a:endParaRPr>
+          </a:p>
+          <a:p>
+            <a:r>
+              <a:rPr lang="en-US" sz="1200" b="0" i="0" kern="1200" dirty="0">
+                <a:solidFill>
+                  <a:schemeClr val="tx1"/>
+                </a:solidFill>
+                <a:effectLst/>
+                <a:latin typeface="+mn-lt"/>
+                <a:ea typeface="+mn-ea"/>
+                <a:cs typeface="+mn-cs"/>
+              </a:rPr>
+              <a:t>Bill </a:t>
+            </a:r>
+            <a:r>
+              <a:rPr lang="en-US" sz="1200" b="0" i="0" kern="1200" dirty="0" err="1">
+                <a:solidFill>
+                  <a:schemeClr val="tx1"/>
+                </a:solidFill>
+                <a:effectLst/>
+                <a:latin typeface="+mn-lt"/>
+                <a:ea typeface="+mn-ea"/>
+                <a:cs typeface="+mn-cs"/>
+              </a:rPr>
+              <a:t>Inmon</a:t>
+            </a:r>
+            <a:r>
+              <a:rPr lang="en-US" sz="1200" b="0" i="0" kern="1200" dirty="0">
+                <a:solidFill>
+                  <a:schemeClr val="tx1"/>
+                </a:solidFill>
+                <a:effectLst/>
+                <a:latin typeface="+mn-lt"/>
+                <a:ea typeface="+mn-ea"/>
+                <a:cs typeface="+mn-cs"/>
+              </a:rPr>
+              <a:t>, the “father of data warehousing” defines a data warehouse as a subject-oriented, integrated, time-variant, and nonvolatile collection of data in support of management’s decision-making. While data warehouses are defined in many different ways, these four characteristics- subject-oriented, integrated, time-variant, and nonvolatile- are the most common ways of defining them.”</a:t>
+            </a:r>
+          </a:p>
+          <a:p>
+            <a:endParaRPr lang="en-US" sz="1200" b="0" i="0" kern="1200" dirty="0">
+              <a:solidFill>
+                <a:schemeClr val="tx1"/>
+              </a:solidFill>
+              <a:effectLst/>
+              <a:latin typeface="+mn-lt"/>
+              <a:ea typeface="+mn-ea"/>
+              <a:cs typeface="+mn-cs"/>
+            </a:endParaRPr>
+          </a:p>
+          <a:p>
+            <a:endParaRPr lang="en-US" sz="1200" b="0" i="0" kern="1200" dirty="0">
+              <a:solidFill>
+                <a:schemeClr val="tx1"/>
+              </a:solidFill>
+              <a:effectLst/>
+              <a:latin typeface="+mn-lt"/>
+              <a:ea typeface="+mn-ea"/>
+              <a:cs typeface="+mn-cs"/>
+            </a:endParaRPr>
           </a:p>
           <a:p>
             <a:endParaRPr lang="en-US" sz="1200" b="1" i="0" kern="1200" dirty="0">
@@ -3933,73 +4004,78 @@
           <a:lstStyle/>
           <a:p>
             <a:r>
-              <a:rPr lang="en-US" dirty="0">
-                <a:hlinkClick r:id="rId3"/>
+              <a:rPr lang="en-US" dirty="0"/>
+              <a:t>“First, data warehouses are subject-oriented, meaning they are organized around major subjects, such as customer product or sales. Data warehouses are focused on the modeling and analysis of data for decision makers, as opposed to daily operations or transaction processing. Organizing data around specific subjects provides a simple and concise view around particular subject issues by excluding data that are not useful in the decision support process.”</a:t>
+            </a:r>
+          </a:p>
+          <a:p>
+            <a:endParaRPr lang="en-US" dirty="0"/>
+          </a:p>
+          <a:p>
+            <a:pPr eaLnBrk="1" hangingPunct="1">
+              <a:lnSpc>
+                <a:spcPct val="130000"/>
+              </a:lnSpc>
+            </a:pPr>
+            <a:r>
+              <a:rPr lang="en-US" altLang="en-US" sz="1200" dirty="0"/>
+              <a:t>Organized around major subjects, such as </a:t>
+            </a:r>
+            <a:r>
+              <a:rPr lang="en-US" altLang="en-US" sz="1200" dirty="0">
+                <a:solidFill>
+                  <a:schemeClr val="hlink"/>
+                </a:solidFill>
               </a:rPr>
-              <a:t>https://www.datawarehouse4u.info/OLTP-vs-OLAP.html</a:t>
-            </a:r>
+              <a:t>customer, product, sales</a:t>
+            </a:r>
+            <a:endParaRPr lang="en-US" altLang="en-US" sz="1200" dirty="0"/>
+          </a:p>
+          <a:p>
+            <a:pPr eaLnBrk="1" hangingPunct="1">
+              <a:lnSpc>
+                <a:spcPct val="130000"/>
+              </a:lnSpc>
+            </a:pPr>
+            <a:r>
+              <a:rPr lang="en-US" altLang="en-US" sz="1200" dirty="0"/>
+              <a:t>Focusing on the modeling and analysis of data for decision makers, not on daily operations or transaction processing</a:t>
+            </a:r>
+          </a:p>
+          <a:p>
+            <a:pPr eaLnBrk="1" hangingPunct="1">
+              <a:lnSpc>
+                <a:spcPct val="130000"/>
+              </a:lnSpc>
+            </a:pPr>
+            <a:r>
+              <a:rPr lang="en-US" altLang="en-US" sz="1200" dirty="0"/>
+              <a:t>Provide </a:t>
+            </a:r>
+            <a:r>
+              <a:rPr lang="en-US" altLang="en-US" sz="1200" dirty="0">
+                <a:solidFill>
+                  <a:schemeClr val="hlink"/>
+                </a:solidFill>
+              </a:rPr>
+              <a:t>a simple and concise</a:t>
+            </a:r>
+            <a:r>
+              <a:rPr lang="en-US" altLang="en-US" sz="1200" dirty="0"/>
+              <a:t> view around particular subject issues by </a:t>
+            </a:r>
+            <a:r>
+              <a:rPr lang="en-US" altLang="en-US" sz="1200" dirty="0">
+                <a:solidFill>
+                  <a:schemeClr val="hlink"/>
+                </a:solidFill>
+              </a:rPr>
+              <a:t>excluding data that are not useful in the decision support process</a:t>
+            </a:r>
+            <a:endParaRPr lang="en-US" altLang="en-US" sz="1200" dirty="0"/>
+          </a:p>
+          <a:p>
             <a:endParaRPr lang="en-US" dirty="0"/>
-          </a:p>
-          <a:p>
-            <a:endParaRPr lang="en-US" dirty="0"/>
-          </a:p>
-          <a:p>
-            <a:r>
-              <a:rPr lang="en-US" sz="1200" b="0" i="0" kern="1200" dirty="0">
-                <a:solidFill>
-                  <a:schemeClr val="tx1"/>
-                </a:solidFill>
-                <a:effectLst/>
-                <a:latin typeface="+mn-lt"/>
-                <a:ea typeface="+mn-ea"/>
-                <a:cs typeface="+mn-cs"/>
-              </a:rPr>
-              <a:t>“An operational database undergoes frequent changes on a daily basis on account of the transactions that take place. Suppose a business executive wants to analyze previous feedback on any data such as a product, a supplier, or any consumer data, then the executive will have no data available to analyze because the previous data has been updated due to transactions.</a:t>
-            </a:r>
-          </a:p>
-          <a:p>
-            <a:r>
-              <a:rPr lang="en-US" sz="1200" b="0" i="0" kern="1200" dirty="0">
-                <a:solidFill>
-                  <a:schemeClr val="tx1"/>
-                </a:solidFill>
-                <a:effectLst/>
-                <a:latin typeface="+mn-lt"/>
-                <a:ea typeface="+mn-ea"/>
-                <a:cs typeface="+mn-cs"/>
-              </a:rPr>
-              <a:t>A data warehouses provides us generalized and consolidated data in multidimensional view. Along with generalized and consolidated view of data, a data warehouses also provides us Online Analytical Processing (OLAP) tools. These tools help us in interactive and effective analysis of data in a multidimensional space. This analysis results in data generalization and data mining. </a:t>
-            </a:r>
-            <a:r>
-              <a:rPr lang="en-US" dirty="0">
-                <a:hlinkClick r:id="rId4"/>
-              </a:rPr>
-              <a:t>https://www.tutorialspoint.com/</a:t>
-            </a:r>
-            <a:r>
-              <a:rPr lang="en-US" dirty="0" err="1">
-                <a:hlinkClick r:id="rId4"/>
-              </a:rPr>
-              <a:t>dwh</a:t>
-            </a:r>
-            <a:r>
-              <a:rPr lang="en-US" dirty="0">
-                <a:hlinkClick r:id="rId4"/>
-              </a:rPr>
-              <a:t>/dwh_overview.htm</a:t>
-            </a:r>
-            <a:r>
-              <a:rPr lang="en-US" sz="1200" b="0" i="0" kern="1200" dirty="0">
-                <a:solidFill>
-                  <a:schemeClr val="tx1"/>
-                </a:solidFill>
-                <a:effectLst/>
-                <a:latin typeface="+mn-lt"/>
-                <a:ea typeface="+mn-ea"/>
-                <a:cs typeface="+mn-cs"/>
-              </a:rPr>
-              <a:t>“</a:t>
-            </a:r>
           </a:p>
         </p:txBody>
       </p:sp>
@@ -4029,7 +4105,7 @@
     </p:spTree>
     <p:extLst>
       <p:ext uri="{BB962C8B-B14F-4D97-AF65-F5344CB8AC3E}">
-        <p14:creationId xmlns:p14="http://schemas.microsoft.com/office/powerpoint/2010/main" val="292063832"/>
+        <p14:creationId xmlns:p14="http://schemas.microsoft.com/office/powerpoint/2010/main" val="1275552770"/>
       </p:ext>
     </p:extLst>
   </p:cSld>
@@ -4083,76 +4159,65 @@
           <a:bodyPr/>
           <a:lstStyle/>
           <a:p>
-            <a:r>
-              <a:rPr lang="en-US" dirty="0"/>
-              <a:t>“Data warehouses are subject-oriented, meaning…” </a:t>
-            </a:r>
-          </a:p>
-          <a:p>
-            <a:endParaRPr lang="en-US" dirty="0"/>
-          </a:p>
-          <a:p>
-            <a:pPr eaLnBrk="1" hangingPunct="1">
-              <a:lnSpc>
-                <a:spcPct val="130000"/>
-              </a:lnSpc>
-            </a:pPr>
-            <a:r>
-              <a:rPr lang="en-US" altLang="en-US" sz="1200" dirty="0"/>
-              <a:t>Organized around major subjects, such as </a:t>
-            </a:r>
-            <a:r>
-              <a:rPr lang="en-US" altLang="en-US" sz="1200" dirty="0">
-                <a:solidFill>
-                  <a:schemeClr val="hlink"/>
-                </a:solidFill>
-              </a:rPr>
-              <a:t>customer, product, sales</a:t>
-            </a:r>
-            <a:endParaRPr lang="en-US" altLang="en-US" sz="1200" dirty="0"/>
-          </a:p>
-          <a:p>
-            <a:pPr eaLnBrk="1" hangingPunct="1">
-              <a:lnSpc>
-                <a:spcPct val="130000"/>
-              </a:lnSpc>
-            </a:pPr>
-            <a:r>
-              <a:rPr lang="en-US" altLang="en-US" sz="1200" dirty="0"/>
-              <a:t>Focusing on the modeling and analysis of data for decision makers, not on daily operations or transaction processing</a:t>
-            </a:r>
-          </a:p>
-          <a:p>
-            <a:pPr eaLnBrk="1" hangingPunct="1">
-              <a:lnSpc>
-                <a:spcPct val="130000"/>
-              </a:lnSpc>
-            </a:pPr>
-            <a:r>
-              <a:rPr lang="en-US" altLang="en-US" sz="1200" dirty="0"/>
-              <a:t>Provide </a:t>
-            </a:r>
-            <a:r>
-              <a:rPr lang="en-US" altLang="en-US" sz="1200" dirty="0">
-                <a:solidFill>
-                  <a:schemeClr val="hlink"/>
-                </a:solidFill>
-              </a:rPr>
-              <a:t>a simple and concise</a:t>
-            </a:r>
-            <a:r>
-              <a:rPr lang="en-US" altLang="en-US" sz="1200" dirty="0"/>
-              <a:t> view around particular subject issues by </a:t>
-            </a:r>
-            <a:r>
-              <a:rPr lang="en-US" altLang="en-US" sz="1200" dirty="0">
-                <a:solidFill>
-                  <a:schemeClr val="hlink"/>
-                </a:solidFill>
-              </a:rPr>
-              <a:t>excluding data that are not useful in the decision support process</a:t>
-            </a:r>
-            <a:endParaRPr lang="en-US" altLang="en-US" sz="1200" dirty="0"/>
+            <a:pPr eaLnBrk="1" hangingPunct="1"/>
+            <a:r>
+              <a:rPr lang="en-US" altLang="en-US" sz="2400" dirty="0"/>
+              <a:t>“Second, data warehouses are integrated, meaning data warehouses are constructed by integrating data from multiple heterogenous data sources, such as relational databases or on-line transaction records. Operational databases, which store current transaction data, provide data for the data warehouse. There are many operational databases within an organization, focused on various aspects of day to day operations. ETL on the figure here stands for extract, transform, and load. Data is extracted from multiple operational databases across an organization, transformed into the same format for consistency (for example, consistency in naming conventions), and then loaded into the data warehouse.”</a:t>
+            </a:r>
+          </a:p>
+          <a:p>
+            <a:pPr eaLnBrk="1" hangingPunct="1"/>
+            <a:endParaRPr lang="en-US" altLang="en-US" sz="2400" dirty="0"/>
+          </a:p>
+          <a:p>
+            <a:pPr eaLnBrk="1" hangingPunct="1"/>
+            <a:endParaRPr lang="en-US" altLang="en-US" sz="2400" dirty="0"/>
+          </a:p>
+          <a:p>
+            <a:pPr eaLnBrk="1" hangingPunct="1"/>
+            <a:endParaRPr lang="en-US" altLang="en-US" sz="2400" dirty="0"/>
+          </a:p>
+          <a:p>
+            <a:pPr eaLnBrk="1" hangingPunct="1"/>
+            <a:r>
+              <a:rPr lang="en-US" altLang="en-US" sz="2400" dirty="0"/>
+              <a:t>Constructed by integrating multiple, heterogeneous data sources</a:t>
+            </a:r>
+          </a:p>
+          <a:p>
+            <a:pPr lvl="1" eaLnBrk="1" hangingPunct="1"/>
+            <a:r>
+              <a:rPr lang="en-US" altLang="en-US" sz="2400" dirty="0"/>
+              <a:t>relational databases, flat files, on-line transaction records</a:t>
+            </a:r>
+          </a:p>
+          <a:p>
+            <a:pPr eaLnBrk="1" hangingPunct="1"/>
+            <a:r>
+              <a:rPr lang="en-US" altLang="en-US" sz="2400" dirty="0"/>
+              <a:t>Data cleaning and data integration techniques are applied.</a:t>
+            </a:r>
+          </a:p>
+          <a:p>
+            <a:pPr lvl="1" eaLnBrk="1" hangingPunct="1"/>
+            <a:r>
+              <a:rPr lang="en-US" altLang="en-US" sz="2400" dirty="0"/>
+              <a:t>Ensure consistency in naming conventions, encoding structures, attribute measures, etc. among different data sources</a:t>
+            </a:r>
+          </a:p>
+          <a:p>
+            <a:pPr lvl="2" eaLnBrk="1" hangingPunct="1"/>
+            <a:r>
+              <a:rPr lang="en-US" altLang="en-US" sz="2000" dirty="0"/>
+              <a:t>E.g., Hotel price: currency, tax, breakfast covered, etc.</a:t>
+            </a:r>
+          </a:p>
+          <a:p>
+            <a:pPr lvl="1" eaLnBrk="1" hangingPunct="1"/>
+            <a:r>
+              <a:rPr lang="en-US" altLang="en-US" sz="2400" dirty="0"/>
+              <a:t>When data is moved to the warehouse, it is converted.  </a:t>
+            </a:r>
           </a:p>
           <a:p>
             <a:endParaRPr lang="en-US" dirty="0"/>
@@ -4185,7 +4250,7 @@
     </p:spTree>
     <p:extLst>
       <p:ext uri="{BB962C8B-B14F-4D97-AF65-F5344CB8AC3E}">
-        <p14:creationId xmlns:p14="http://schemas.microsoft.com/office/powerpoint/2010/main" val="1275552770"/>
+        <p14:creationId xmlns:p14="http://schemas.microsoft.com/office/powerpoint/2010/main" val="1386787169"/>
       </p:ext>
     </p:extLst>
   </p:cSld>
@@ -4239,46 +4304,135 @@
           <a:bodyPr/>
           <a:lstStyle/>
           <a:p>
-            <a:pPr eaLnBrk="1" hangingPunct="1"/>
+            <a:pPr eaLnBrk="1" hangingPunct="1">
+              <a:lnSpc>
+                <a:spcPct val="120000"/>
+              </a:lnSpc>
+            </a:pPr>
             <a:r>
               <a:rPr lang="en-US" altLang="en-US" sz="2400" dirty="0"/>
-              <a:t>Constructed by integrating multiple, heterogeneous data sources</a:t>
-            </a:r>
-          </a:p>
-          <a:p>
-            <a:pPr lvl="1" eaLnBrk="1" hangingPunct="1"/>
+              <a:t>“Third, data warehouses are time variant, meaning they store historical data. Operational databases, by contrast, store only current data. Data warehouses can provide information from a historical perspective, for example comparing sales across many years. This again is key to the data warehouses’ purpose of aiding in strategic decision making.” </a:t>
+            </a:r>
+          </a:p>
+          <a:p>
+            <a:pPr eaLnBrk="1" hangingPunct="1">
+              <a:lnSpc>
+                <a:spcPct val="120000"/>
+              </a:lnSpc>
+            </a:pPr>
+            <a:endParaRPr lang="en-US" altLang="en-US" sz="2400" dirty="0"/>
+          </a:p>
+          <a:p>
+            <a:pPr eaLnBrk="1" hangingPunct="1">
+              <a:lnSpc>
+                <a:spcPct val="120000"/>
+              </a:lnSpc>
+            </a:pPr>
             <a:r>
               <a:rPr lang="en-US" altLang="en-US" sz="2400" dirty="0"/>
-              <a:t>relational databases, flat files, on-line transaction records</a:t>
-            </a:r>
-          </a:p>
-          <a:p>
-            <a:pPr eaLnBrk="1" hangingPunct="1"/>
+              <a:t>The time horizon for the data warehouse is significantly longer than that of operational systems</a:t>
+            </a:r>
+          </a:p>
+          <a:p>
+            <a:pPr lvl="1" eaLnBrk="1" hangingPunct="1">
+              <a:lnSpc>
+                <a:spcPct val="120000"/>
+              </a:lnSpc>
+            </a:pPr>
             <a:r>
               <a:rPr lang="en-US" altLang="en-US" sz="2400" dirty="0"/>
-              <a:t>Data cleaning and data integration techniques are applied.</a:t>
-            </a:r>
-          </a:p>
-          <a:p>
-            <a:pPr lvl="1" eaLnBrk="1" hangingPunct="1"/>
+              <a:t>Operational database: current value data</a:t>
+            </a:r>
+          </a:p>
+          <a:p>
+            <a:pPr lvl="1" eaLnBrk="1" hangingPunct="1">
+              <a:lnSpc>
+                <a:spcPct val="120000"/>
+              </a:lnSpc>
+            </a:pPr>
             <a:r>
               <a:rPr lang="en-US" altLang="en-US" sz="2400" dirty="0"/>
-              <a:t>Ensure consistency in naming conventions, encoding structures, attribute measures, etc. among different data sources</a:t>
-            </a:r>
-          </a:p>
-          <a:p>
-            <a:pPr lvl="2" eaLnBrk="1" hangingPunct="1"/>
-            <a:r>
-              <a:rPr lang="en-US" altLang="en-US" sz="2000" dirty="0"/>
-              <a:t>E.g., Hotel price: currency, tax, breakfast covered, etc.</a:t>
-            </a:r>
-          </a:p>
-          <a:p>
-            <a:pPr lvl="1" eaLnBrk="1" hangingPunct="1"/>
+              <a:t>Data warehouse data: provide information from a historical perspective (e.g., past 5-10 years)</a:t>
+            </a:r>
+          </a:p>
+          <a:p>
+            <a:pPr eaLnBrk="1" hangingPunct="1">
+              <a:lnSpc>
+                <a:spcPct val="120000"/>
+              </a:lnSpc>
+            </a:pPr>
             <a:r>
               <a:rPr lang="en-US" altLang="en-US" sz="2400" dirty="0"/>
-              <a:t>When data is moved to the warehouse, it is converted.  </a:t>
-            </a:r>
+              <a:t>Every key structure in the data warehouse</a:t>
+            </a:r>
+          </a:p>
+          <a:p>
+            <a:pPr lvl="1" eaLnBrk="1" hangingPunct="1">
+              <a:lnSpc>
+                <a:spcPct val="120000"/>
+              </a:lnSpc>
+            </a:pPr>
+            <a:r>
+              <a:rPr lang="en-US" altLang="en-US" sz="2400" dirty="0"/>
+              <a:t>Contains an element of time, explicitly or implicitly</a:t>
+            </a:r>
+          </a:p>
+          <a:p>
+            <a:pPr lvl="1" eaLnBrk="1" hangingPunct="1">
+              <a:lnSpc>
+                <a:spcPct val="120000"/>
+              </a:lnSpc>
+            </a:pPr>
+            <a:r>
+              <a:rPr lang="en-US" altLang="en-US" sz="2400" dirty="0"/>
+              <a:t>But the key of operational data may or may not contain “time element”</a:t>
+            </a:r>
+          </a:p>
+          <a:p>
+            <a:pPr lvl="1" eaLnBrk="1" hangingPunct="1">
+              <a:lnSpc>
+                <a:spcPct val="120000"/>
+              </a:lnSpc>
+            </a:pPr>
+            <a:endParaRPr lang="en-US" altLang="en-US" sz="2400" dirty="0"/>
+          </a:p>
+          <a:p>
+            <a:pPr lvl="1" eaLnBrk="1" hangingPunct="1">
+              <a:lnSpc>
+                <a:spcPct val="120000"/>
+              </a:lnSpc>
+            </a:pPr>
+            <a:endParaRPr lang="en-US" altLang="en-US" sz="2400" dirty="0"/>
+          </a:p>
+          <a:p>
+            <a:pPr lvl="1" eaLnBrk="1" hangingPunct="1">
+              <a:lnSpc>
+                <a:spcPct val="120000"/>
+              </a:lnSpc>
+            </a:pPr>
+            <a:endParaRPr lang="en-US" altLang="en-US" sz="2400" dirty="0"/>
+          </a:p>
+          <a:p>
+            <a:pPr lvl="1" eaLnBrk="1" hangingPunct="1">
+              <a:lnSpc>
+                <a:spcPct val="120000"/>
+              </a:lnSpc>
+            </a:pPr>
+            <a:endParaRPr lang="en-US" altLang="en-US" sz="2400" dirty="0"/>
+          </a:p>
+          <a:p>
+            <a:pPr lvl="1" eaLnBrk="1" hangingPunct="1">
+              <a:lnSpc>
+                <a:spcPct val="120000"/>
+              </a:lnSpc>
+            </a:pPr>
+            <a:r>
+              <a:rPr lang="en-US" sz="2400" dirty="0">
+                <a:hlinkClick r:id="rId3"/>
+              </a:rPr>
+              <a:t>https://towardsdatascience.com/an-end-to-end-project-on-time-series-analysis-and-forecasting-with-python-4835e6bf050b</a:t>
+            </a:r>
+            <a:endParaRPr lang="en-US" altLang="en-US" sz="2400" dirty="0"/>
           </a:p>
           <a:p>
             <a:endParaRPr lang="en-US" dirty="0"/>
@@ -4311,7 +4465,7 @@
     </p:spTree>
     <p:extLst>
       <p:ext uri="{BB962C8B-B14F-4D97-AF65-F5344CB8AC3E}">
-        <p14:creationId xmlns:p14="http://schemas.microsoft.com/office/powerpoint/2010/main" val="1386787169"/>
+        <p14:creationId xmlns:p14="http://schemas.microsoft.com/office/powerpoint/2010/main" val="1272441448"/>
       </p:ext>
     </p:extLst>
   </p:cSld>
@@ -4367,114 +4521,117 @@
           <a:p>
             <a:pPr eaLnBrk="1" hangingPunct="1">
               <a:lnSpc>
-                <a:spcPct val="120000"/>
+                <a:spcPct val="130000"/>
               </a:lnSpc>
             </a:pPr>
             <a:r>
               <a:rPr lang="en-US" altLang="en-US" sz="2400" dirty="0"/>
-              <a:t>The time horizon for the data warehouse is significantly longer than that of operational systems</a:t>
-            </a:r>
-          </a:p>
-          <a:p>
-            <a:pPr lvl="1" eaLnBrk="1" hangingPunct="1">
-              <a:lnSpc>
-                <a:spcPct val="120000"/>
-              </a:lnSpc>
-            </a:pPr>
-            <a:r>
-              <a:rPr lang="en-US" altLang="en-US" sz="2400" dirty="0"/>
-              <a:t>Operational database: current value data</a:t>
-            </a:r>
-          </a:p>
-          <a:p>
-            <a:pPr lvl="1" eaLnBrk="1" hangingPunct="1">
-              <a:lnSpc>
-                <a:spcPct val="120000"/>
-              </a:lnSpc>
-            </a:pPr>
-            <a:r>
-              <a:rPr lang="en-US" altLang="en-US" sz="2400" dirty="0"/>
-              <a:t>Data warehouse data: provide information from a historical perspective (e.g., past 5-10 years)</a:t>
+              <a:t>“Finally, data warehouses are non-volatile, meaning that when new data is added to the data warehouse, previous data is not erased. This is again in contrast to operational systems, which are constantly updating and deleting data. You can see here that more operations are performed  on the operational or OLTP databases compared to the data warehouse. Data is read, added to, changed and deleted. The data warehouse requires only two operations: initial loading and the accessing of reading of data.” </a:t>
             </a:r>
           </a:p>
           <a:p>
             <a:pPr eaLnBrk="1" hangingPunct="1">
               <a:lnSpc>
-                <a:spcPct val="120000"/>
-              </a:lnSpc>
-            </a:pPr>
-            <a:r>
-              <a:rPr lang="en-US" altLang="en-US" sz="2400" dirty="0"/>
-              <a:t>Every key structure in the data warehouse</a:t>
-            </a:r>
-          </a:p>
-          <a:p>
-            <a:pPr lvl="1" eaLnBrk="1" hangingPunct="1">
-              <a:lnSpc>
-                <a:spcPct val="120000"/>
-              </a:lnSpc>
-            </a:pPr>
-            <a:r>
-              <a:rPr lang="en-US" altLang="en-US" sz="2400" dirty="0"/>
-              <a:t>Contains an element of time, explicitly or implicitly</a:t>
-            </a:r>
-          </a:p>
-          <a:p>
-            <a:pPr lvl="1" eaLnBrk="1" hangingPunct="1">
-              <a:lnSpc>
-                <a:spcPct val="120000"/>
-              </a:lnSpc>
-            </a:pPr>
-            <a:r>
-              <a:rPr lang="en-US" altLang="en-US" sz="2400" dirty="0"/>
-              <a:t>But the key of operational data may or may not contain “time element”</a:t>
-            </a:r>
-          </a:p>
-          <a:p>
-            <a:pPr lvl="1" eaLnBrk="1" hangingPunct="1">
-              <a:lnSpc>
-                <a:spcPct val="120000"/>
+                <a:spcPct val="130000"/>
               </a:lnSpc>
             </a:pPr>
             <a:endParaRPr lang="en-US" altLang="en-US" sz="2400" dirty="0"/>
           </a:p>
           <a:p>
+            <a:pPr eaLnBrk="1" hangingPunct="1">
+              <a:lnSpc>
+                <a:spcPct val="130000"/>
+              </a:lnSpc>
+            </a:pPr>
+            <a:r>
+              <a:rPr lang="en-US" altLang="en-US" sz="2400" dirty="0"/>
+              <a:t>A </a:t>
+            </a:r>
+            <a:r>
+              <a:rPr lang="en-US" altLang="en-US" sz="2400" dirty="0">
+                <a:solidFill>
+                  <a:schemeClr val="hlink"/>
+                </a:solidFill>
+              </a:rPr>
+              <a:t>physically separate store</a:t>
+            </a:r>
+            <a:r>
+              <a:rPr lang="en-US" altLang="en-US" sz="2400" dirty="0"/>
+              <a:t> of data transformed from the operational environment</a:t>
+            </a:r>
+          </a:p>
+          <a:p>
+            <a:pPr eaLnBrk="1" hangingPunct="1">
+              <a:lnSpc>
+                <a:spcPct val="130000"/>
+              </a:lnSpc>
+            </a:pPr>
+            <a:r>
+              <a:rPr lang="en-US" altLang="en-US" sz="2400" dirty="0"/>
+              <a:t>Operational </a:t>
+            </a:r>
+            <a:r>
+              <a:rPr lang="en-US" altLang="en-US" sz="2400" dirty="0">
+                <a:solidFill>
+                  <a:schemeClr val="hlink"/>
+                </a:solidFill>
+              </a:rPr>
+              <a:t>update of data does not occur</a:t>
+            </a:r>
+            <a:r>
+              <a:rPr lang="en-US" altLang="en-US" sz="2400" dirty="0"/>
+              <a:t> in the data warehouse environment</a:t>
+            </a:r>
+          </a:p>
+          <a:p>
             <a:pPr lvl="1" eaLnBrk="1" hangingPunct="1">
               <a:lnSpc>
-                <a:spcPct val="120000"/>
+                <a:spcPct val="130000"/>
               </a:lnSpc>
             </a:pPr>
-            <a:endParaRPr lang="en-US" altLang="en-US" sz="2400" dirty="0"/>
+            <a:r>
+              <a:rPr lang="en-US" altLang="en-US" sz="2400" dirty="0"/>
+              <a:t>Does not require transaction processing, recovery, and concurrency control mechanisms</a:t>
+            </a:r>
           </a:p>
           <a:p>
             <a:pPr lvl="1" eaLnBrk="1" hangingPunct="1">
               <a:lnSpc>
-                <a:spcPct val="120000"/>
+                <a:spcPct val="130000"/>
               </a:lnSpc>
             </a:pPr>
-            <a:endParaRPr lang="en-US" altLang="en-US" sz="2400" dirty="0"/>
-          </a:p>
-          <a:p>
-            <a:pPr lvl="1" eaLnBrk="1" hangingPunct="1">
+            <a:r>
+              <a:rPr lang="en-US" altLang="en-US" sz="2400" dirty="0"/>
+              <a:t>Requires only two operations in data accessing: </a:t>
+            </a:r>
+          </a:p>
+          <a:p>
+            <a:pPr lvl="2" eaLnBrk="1" hangingPunct="1">
               <a:lnSpc>
-                <a:spcPct val="120000"/>
+                <a:spcPct val="130000"/>
               </a:lnSpc>
             </a:pPr>
-            <a:endParaRPr lang="en-US" altLang="en-US" sz="2400" dirty="0"/>
-          </a:p>
-          <a:p>
-            <a:pPr lvl="1" eaLnBrk="1" hangingPunct="1">
-              <a:lnSpc>
-                <a:spcPct val="120000"/>
-              </a:lnSpc>
-            </a:pPr>
-            <a:r>
-              <a:rPr lang="en-US" sz="2400" dirty="0">
-                <a:hlinkClick r:id="rId3"/>
+            <a:r>
+              <a:rPr lang="en-US" altLang="en-US" i="1" dirty="0">
+                <a:solidFill>
+                  <a:schemeClr val="hlink"/>
+                </a:solidFill>
               </a:rPr>
-              <a:t>https://towardsdatascience.com/an-end-to-end-project-on-time-series-analysis-and-forecasting-with-python-4835e6bf050b</a:t>
-            </a:r>
-            <a:endParaRPr lang="en-US" altLang="en-US" sz="2400" dirty="0"/>
+              <a:t>initial loading of data</a:t>
+            </a:r>
+            <a:r>
+              <a:rPr lang="en-US" altLang="en-US" dirty="0"/>
+              <a:t> and </a:t>
+            </a:r>
+            <a:r>
+              <a:rPr lang="en-US" altLang="en-US" i="1" dirty="0">
+                <a:solidFill>
+                  <a:schemeClr val="hlink"/>
+                </a:solidFill>
+              </a:rPr>
+              <a:t>access of data</a:t>
+            </a:r>
+            <a:endParaRPr lang="en-US" altLang="en-US" dirty="0"/>
           </a:p>
           <a:p>
             <a:endParaRPr lang="en-US" dirty="0"/>
@@ -4507,7 +4664,7 @@
     </p:spTree>
     <p:extLst>
       <p:ext uri="{BB962C8B-B14F-4D97-AF65-F5344CB8AC3E}">
-        <p14:creationId xmlns:p14="http://schemas.microsoft.com/office/powerpoint/2010/main" val="1272441448"/>
+        <p14:creationId xmlns:p14="http://schemas.microsoft.com/office/powerpoint/2010/main" val="2747514359"/>
       </p:ext>
     </p:extLst>
   </p:cSld>
@@ -4561,103 +4718,144 @@
           <a:bodyPr/>
           <a:lstStyle/>
           <a:p>
-            <a:pPr eaLnBrk="1" hangingPunct="1">
-              <a:lnSpc>
-                <a:spcPct val="130000"/>
-              </a:lnSpc>
-            </a:pPr>
-            <a:r>
-              <a:rPr lang="en-US" altLang="en-US" sz="2400" dirty="0"/>
-              <a:t>A </a:t>
-            </a:r>
-            <a:r>
-              <a:rPr lang="en-US" altLang="en-US" sz="2400" dirty="0">
+            <a:r>
+              <a:rPr lang="en-US" u="none" dirty="0">
                 <a:solidFill>
-                  <a:schemeClr val="hlink"/>
+                  <a:schemeClr val="tx1"/>
                 </a:solidFill>
+                <a:hlinkClick r:id="rId3">
+                  <a:extLst>
+                    <a:ext uri="{A12FA001-AC4F-418D-AE19-62706E023703}">
+                      <ahyp:hlinkClr xmlns:ahyp="http://schemas.microsoft.com/office/drawing/2018/hyperlinkcolor" val="tx"/>
+                    </a:ext>
+                  </a:extLst>
+                </a:hlinkClick>
               </a:rPr>
-              <a:t>physically separate store</a:t>
-            </a:r>
-            <a:r>
-              <a:rPr lang="en-US" altLang="en-US" sz="2400" dirty="0"/>
-              <a:t> of data transformed from the operational environment</a:t>
-            </a:r>
-          </a:p>
-          <a:p>
-            <a:pPr eaLnBrk="1" hangingPunct="1">
-              <a:lnSpc>
-                <a:spcPct val="130000"/>
-              </a:lnSpc>
-            </a:pPr>
-            <a:r>
-              <a:rPr lang="en-US" altLang="en-US" sz="2400" dirty="0"/>
-              <a:t>Operational </a:t>
-            </a:r>
-            <a:r>
-              <a:rPr lang="en-US" altLang="en-US" sz="2400" dirty="0">
+              <a:t>“So we have operational databases and data warehouses. Online analytical processing (OLAP) is used for analytics on data warehouse data, whereas online transaction processing (OLTP) is used for processing transactions within operational databases. One of the main differences between these is the user.  OLTP may used by many users, including clerks and IT professionals to view typically single transactions, whereas far fewer people use OLPA, and the ones that do are typically decision makers within an organization. The primary function of OLTP is to support day to day operations, whereas the primary function of OLAP is to support decision making. OLTP is designed to be application-oriented, whereas OLAP is designed to be subject-oriented. OLTP works with current data, whereas OLAP works with historical data. OLTP may read and write over data, whereas OLAP scans data. Finally, there are also differences in database size and the complexity, with data warehouses of course being larger and OLAP being more complex. </a:t>
+            </a:r>
+          </a:p>
+          <a:p>
+            <a:endParaRPr lang="en-US" dirty="0">
+              <a:hlinkClick r:id="rId3">
+                <a:extLst>
+                  <a:ext uri="{A12FA001-AC4F-418D-AE19-62706E023703}">
+                    <ahyp:hlinkClr xmlns:ahyp="http://schemas.microsoft.com/office/drawing/2018/hyperlinkcolor" val="tx"/>
+                  </a:ext>
+                </a:extLst>
+              </a:hlinkClick>
+            </a:endParaRPr>
+          </a:p>
+          <a:p>
+            <a:endParaRPr lang="en-US" dirty="0">
+              <a:hlinkClick r:id="rId3">
+                <a:extLst>
+                  <a:ext uri="{A12FA001-AC4F-418D-AE19-62706E023703}">
+                    <ahyp:hlinkClr xmlns:ahyp="http://schemas.microsoft.com/office/drawing/2018/hyperlinkcolor" val="tx"/>
+                  </a:ext>
+                </a:extLst>
+              </a:hlinkClick>
+            </a:endParaRPr>
+          </a:p>
+          <a:p>
+            <a:r>
+              <a:rPr lang="en-US" dirty="0">
+                <a:hlinkClick r:id="rId3">
+                  <a:extLst>
+                    <a:ext uri="{A12FA001-AC4F-418D-AE19-62706E023703}">
+                      <ahyp:hlinkClr xmlns:ahyp="http://schemas.microsoft.com/office/drawing/2018/hyperlinkcolor" val="tx"/>
+                    </a:ext>
+                  </a:extLst>
+                </a:hlinkClick>
+              </a:rPr>
+              <a:t>https://www.datawarehouse4u.info/OLTP-vs-OLAP.html</a:t>
+            </a:r>
+            <a:endParaRPr lang="en-US" dirty="0"/>
+          </a:p>
+          <a:p>
+            <a:endParaRPr lang="en-US" dirty="0"/>
+          </a:p>
+          <a:p>
+            <a:r>
+              <a:rPr lang="en-US" sz="1200" b="0" i="0" kern="1200" dirty="0">
                 <a:solidFill>
-                  <a:schemeClr val="hlink"/>
+                  <a:schemeClr val="tx1"/>
                 </a:solidFill>
+                <a:effectLst/>
+                <a:latin typeface="+mn-lt"/>
+                <a:ea typeface="+mn-ea"/>
+                <a:cs typeface="+mn-cs"/>
               </a:rPr>
-              <a:t>update of data does not occur</a:t>
-            </a:r>
-            <a:r>
-              <a:rPr lang="en-US" altLang="en-US" sz="2400" dirty="0"/>
-              <a:t> in the data warehouse environment</a:t>
-            </a:r>
-          </a:p>
-          <a:p>
-            <a:pPr lvl="1" eaLnBrk="1" hangingPunct="1">
-              <a:lnSpc>
-                <a:spcPct val="130000"/>
-              </a:lnSpc>
-            </a:pPr>
-            <a:r>
-              <a:rPr lang="en-US" altLang="en-US" sz="2400" dirty="0"/>
-              <a:t>Does not require transaction processing, recovery, and concurrency control mechanisms</a:t>
-            </a:r>
-          </a:p>
-          <a:p>
-            <a:pPr lvl="1" eaLnBrk="1" hangingPunct="1">
-              <a:lnSpc>
-                <a:spcPct val="130000"/>
-              </a:lnSpc>
-            </a:pPr>
-            <a:r>
-              <a:rPr lang="en-US" altLang="en-US" sz="2400" dirty="0"/>
-              <a:t>Requires only two operations in data accessing: </a:t>
-            </a:r>
-          </a:p>
-          <a:p>
-            <a:pPr lvl="2" eaLnBrk="1" hangingPunct="1">
-              <a:lnSpc>
-                <a:spcPct val="130000"/>
-              </a:lnSpc>
-            </a:pPr>
-            <a:r>
-              <a:rPr lang="en-US" altLang="en-US" i="1" dirty="0">
+              <a:t>“An operational database undergoes frequent changes on a daily basis on account of the transactions that take place. Suppose a business executive wants to analyze previous feedback on any data such as a product, a supplier, or any consumer data, then the executive will have no data available to analyze because the previous data has been updated due to transactions.</a:t>
+            </a:r>
+          </a:p>
+          <a:p>
+            <a:r>
+              <a:rPr lang="en-US" sz="1200" b="0" i="0" kern="1200" dirty="0">
                 <a:solidFill>
-                  <a:schemeClr val="hlink"/>
+                  <a:schemeClr val="tx1"/>
                 </a:solidFill>
+                <a:effectLst/>
+                <a:latin typeface="+mn-lt"/>
+                <a:ea typeface="+mn-ea"/>
+                <a:cs typeface="+mn-cs"/>
               </a:rPr>
-              <a:t>initial loading of data</a:t>
-            </a:r>
-            <a:r>
-              <a:rPr lang="en-US" altLang="en-US" dirty="0"/>
-              <a:t> and </a:t>
-            </a:r>
-            <a:r>
-              <a:rPr lang="en-US" altLang="en-US" i="1" dirty="0">
+              <a:t>A data warehouses provides us generalized and consolidated data in multidimensional view. Along with generalized and consolidated view of data, a data warehouses also provides us Online Analytical Processing (OLAP) tools. These tools help us in interactive and effective analysis of data in a multidimensional space. This analysis results in data generalization and data mining. </a:t>
+            </a:r>
+            <a:r>
+              <a:rPr lang="en-US" dirty="0">
+                <a:hlinkClick r:id="rId4"/>
+              </a:rPr>
+              <a:t>https://www.tutorialspoint.com/</a:t>
+            </a:r>
+            <a:r>
+              <a:rPr lang="en-US" dirty="0" err="1">
+                <a:hlinkClick r:id="rId4"/>
+              </a:rPr>
+              <a:t>dwh</a:t>
+            </a:r>
+            <a:r>
+              <a:rPr lang="en-US" dirty="0">
+                <a:hlinkClick r:id="rId4"/>
+              </a:rPr>
+              <a:t>/dwh_overview.htm</a:t>
+            </a:r>
+            <a:r>
+              <a:rPr lang="en-US" sz="1200" b="0" i="0" kern="1200" dirty="0">
                 <a:solidFill>
-                  <a:schemeClr val="hlink"/>
+                  <a:schemeClr val="tx1"/>
                 </a:solidFill>
+                <a:effectLst/>
+                <a:latin typeface="+mn-lt"/>
+                <a:ea typeface="+mn-ea"/>
+                <a:cs typeface="+mn-cs"/>
               </a:rPr>
-              <a:t>access of data</a:t>
-            </a:r>
-            <a:endParaRPr lang="en-US" altLang="en-US" dirty="0"/>
-          </a:p>
-          <a:p>
-            <a:endParaRPr lang="en-US" dirty="0"/>
+              <a:t>“</a:t>
+            </a:r>
+          </a:p>
+          <a:p>
+            <a:endParaRPr lang="en-US" sz="1200" b="0" i="0" kern="1200" dirty="0">
+              <a:solidFill>
+                <a:schemeClr val="tx1"/>
+              </a:solidFill>
+              <a:effectLst/>
+              <a:latin typeface="+mn-lt"/>
+              <a:ea typeface="+mn-ea"/>
+              <a:cs typeface="+mn-cs"/>
+            </a:endParaRPr>
+          </a:p>
+          <a:p>
+            <a:r>
+              <a:rPr lang="en-US" sz="1200" b="0" i="0" kern="1200" dirty="0">
+                <a:solidFill>
+                  <a:schemeClr val="tx1"/>
+                </a:solidFill>
+                <a:effectLst/>
+                <a:latin typeface="+mn-lt"/>
+                <a:ea typeface="+mn-ea"/>
+                <a:cs typeface="+mn-cs"/>
+              </a:rPr>
+              <a:t>“Online analytical processing is used to process data from data warehouses, whereas online transaction processing is used for processing transaction data from the operational databases that warehouse data is sourced from. </a:t>
+            </a:r>
           </a:p>
         </p:txBody>
       </p:sp>
@@ -4687,7 +4885,7 @@
     </p:spTree>
     <p:extLst>
       <p:ext uri="{BB962C8B-B14F-4D97-AF65-F5344CB8AC3E}">
-        <p14:creationId xmlns:p14="http://schemas.microsoft.com/office/powerpoint/2010/main" val="2747514359"/>
+        <p14:creationId xmlns:p14="http://schemas.microsoft.com/office/powerpoint/2010/main" val="292063832"/>
       </p:ext>
     </p:extLst>
   </p:cSld>
@@ -4741,6 +4939,59 @@
           <a:bodyPr/>
           <a:lstStyle/>
           <a:p>
+            <a:pPr marL="0" marR="0" lvl="0" indent="0" algn="l" defTabSz="914400" rtl="0" eaLnBrk="1" fontAlgn="auto" latinLnBrk="0" hangingPunct="1">
+              <a:lnSpc>
+                <a:spcPct val="110000"/>
+              </a:lnSpc>
+              <a:spcBef>
+                <a:spcPts val="0"/>
+              </a:spcBef>
+              <a:spcAft>
+                <a:spcPts val="0"/>
+              </a:spcAft>
+              <a:buClrTx/>
+              <a:buSzTx/>
+              <a:buFontTx/>
+              <a:buNone/>
+              <a:tabLst/>
+              <a:defRPr/>
+            </a:pPr>
+            <a:r>
+              <a:rPr lang="en-US" altLang="en-US" sz="2000" dirty="0"/>
+              <a:t>“Data warehouses typically employ a multi-tiered architecture which allows for higher performance and greater simplicity. This is a three tier system. In the first tier, we have the separate operational databases or database management systems. These are loaded into a staging area for integrated- extraction, transformation, and then loading into the warehouse, tier two. By keeping the operational databases and the warehouse separate, each may more efficiently perform their own tasks- OLTP within operational databases, and OLAP within the data warehouse. In the middle tier, the warehouse, we have three types of data. Metadata (data about the data), raw data (from the operational databases), and summary data (aggregations from the raw data). In the third or top tier, we have the </a:t>
+            </a:r>
+            <a:r>
+              <a:rPr lang="en-US" sz="2000" dirty="0">
+                <a:effectLst/>
+              </a:rPr>
+              <a:t>front-end client layer, which contains query and reporting tools, analysis tools, and/or data mining tools.” </a:t>
+            </a:r>
+          </a:p>
+          <a:p>
+            <a:pPr eaLnBrk="1" hangingPunct="1">
+              <a:lnSpc>
+                <a:spcPct val="110000"/>
+              </a:lnSpc>
+            </a:pPr>
+            <a:endParaRPr lang="en-US" altLang="en-US" sz="2000" dirty="0"/>
+          </a:p>
+          <a:p>
+            <a:pPr eaLnBrk="1" hangingPunct="1">
+              <a:lnSpc>
+                <a:spcPct val="110000"/>
+              </a:lnSpc>
+            </a:pPr>
+            <a:endParaRPr lang="en-US" altLang="en-US" sz="2000" dirty="0"/>
+          </a:p>
+          <a:p>
+            <a:pPr eaLnBrk="1" hangingPunct="1">
+              <a:lnSpc>
+                <a:spcPct val="110000"/>
+              </a:lnSpc>
+            </a:pPr>
+            <a:endParaRPr lang="en-US" altLang="en-US" sz="2000" dirty="0"/>
+          </a:p>
+          <a:p>
             <a:pPr eaLnBrk="1" hangingPunct="1">
               <a:lnSpc>
                 <a:spcPct val="110000"/>
@@ -4850,6 +5101,48 @@
             <a:r>
               <a:rPr lang="en-US" altLang="en-US" sz="2000" dirty="0"/>
               <a:t>Note: There are more and more systems which perform OLAP analysis directly on relational databases</a:t>
+            </a:r>
+          </a:p>
+          <a:p>
+            <a:r>
+              <a:rPr lang="en-US" dirty="0">
+                <a:effectLst/>
+              </a:rPr>
+              <a:t>Bottom tier: warehouse database server; almost always a relational database system. Back end tools perform extraction, cleaning, and transformation, load and refresh functions to update the data warehouse. </a:t>
+            </a:r>
+          </a:p>
+          <a:p>
+            <a:pPr lvl="1"/>
+            <a:r>
+              <a:rPr lang="en-US" dirty="0">
+                <a:effectLst/>
+              </a:rPr>
+              <a:t>Gateways: application program interface used to extract data</a:t>
+            </a:r>
+          </a:p>
+          <a:p>
+            <a:pPr lvl="1"/>
+            <a:r>
+              <a:rPr lang="en-US" dirty="0">
+                <a:effectLst/>
+              </a:rPr>
+              <a:t>This tier contains the metadata repository</a:t>
+            </a:r>
+          </a:p>
+          <a:p>
+            <a:r>
+              <a:rPr lang="en-US" dirty="0">
+                <a:effectLst/>
+              </a:rPr>
+              <a:t>Middle tier: OLAP server</a:t>
+            </a:r>
+          </a:p>
+          <a:p>
+            <a:r>
+              <a:rPr lang="en-US" dirty="0">
+                <a:effectLst/>
+              </a:rPr>
+              <a:t>Top tier: front-end client layer; contains query and reporting tools, analysis tools, and/or data mining tools. </a:t>
             </a:r>
           </a:p>
           <a:p>
@@ -11715,150 +12008,6 @@
 <file path=ppt/slides/slide3.xml><?xml version="1.0" encoding="utf-8"?>
 <p:sld xmlns:a="http://schemas.openxmlformats.org/drawingml/2006/main" xmlns:r="http://schemas.openxmlformats.org/officeDocument/2006/relationships" xmlns:p="http://schemas.openxmlformats.org/presentationml/2006/main">
   <p:cSld>
-    <p:spTree>
-      <p:nvGrpSpPr>
-        <p:cNvPr id="1" name=""/>
-        <p:cNvGrpSpPr/>
-        <p:nvPr/>
-      </p:nvGrpSpPr>
-      <p:grpSpPr>
-        <a:xfrm>
-          <a:off x="0" y="0"/>
-          <a:ext cx="0" cy="0"/>
-          <a:chOff x="0" y="0"/>
-          <a:chExt cx="0" cy="0"/>
-        </a:xfrm>
-      </p:grpSpPr>
-      <p:sp>
-        <p:nvSpPr>
-          <p:cNvPr id="2" name="Title 1">
-            <a:extLst>
-              <a:ext uri="{FF2B5EF4-FFF2-40B4-BE49-F238E27FC236}">
-                <a16:creationId xmlns:a16="http://schemas.microsoft.com/office/drawing/2014/main" id="{E60230BD-D803-4430-8F79-82B5F4D647B2}"/>
-              </a:ext>
-            </a:extLst>
-          </p:cNvPr>
-          <p:cNvSpPr>
-            <a:spLocks noGrp="1"/>
-          </p:cNvSpPr>
-          <p:nvPr>
-            <p:ph type="title"/>
-          </p:nvPr>
-        </p:nvSpPr>
-        <p:spPr/>
-        <p:txBody>
-          <a:bodyPr>
-            <a:normAutofit fontScale="90000"/>
-          </a:bodyPr>
-          <a:lstStyle/>
-          <a:p>
-            <a:r>
-              <a:rPr lang="en-US" dirty="0"/>
-              <a:t>Online analytical processing (OLAP) is used for analytics, while online transaction processing (OLTP) is used for transactions. </a:t>
-            </a:r>
-          </a:p>
-        </p:txBody>
-      </p:sp>
-      <p:graphicFrame>
-        <p:nvGraphicFramePr>
-          <p:cNvPr id="4" name="Content Placeholder 3">
-            <a:extLst>
-              <a:ext uri="{FF2B5EF4-FFF2-40B4-BE49-F238E27FC236}">
-                <a16:creationId xmlns:a16="http://schemas.microsoft.com/office/drawing/2014/main" id="{6C557F75-481C-445B-B134-B181E9070037}"/>
-              </a:ext>
-            </a:extLst>
-          </p:cNvPr>
-          <p:cNvGraphicFramePr>
-            <a:graphicFrameLocks noGrp="1"/>
-          </p:cNvGraphicFramePr>
-          <p:nvPr>
-            <p:ph idx="1"/>
-            <p:extLst>
-              <p:ext uri="{D42A27DB-BD31-4B8C-83A1-F6EECF244321}">
-                <p14:modId xmlns:p14="http://schemas.microsoft.com/office/powerpoint/2010/main" val="3627500287"/>
-              </p:ext>
-            </p:extLst>
-          </p:nvPr>
-        </p:nvGraphicFramePr>
-        <p:xfrm>
-          <a:off x="1649723" y="2329732"/>
-          <a:ext cx="6635536" cy="4138080"/>
-        </p:xfrm>
-        <a:graphic>
-          <a:graphicData uri="http://schemas.openxmlformats.org/presentationml/2006/ole">
-            <mc:AlternateContent xmlns:mc="http://schemas.openxmlformats.org/markup-compatibility/2006">
-              <mc:Choice xmlns:v="urn:schemas-microsoft-com:vml" Requires="v">
-                <p:oleObj spid="_x0000_s1045" name="Document" r:id="rId4" imgW="11172825" imgH="6858000" progId="Word.Document.8">
-                  <p:embed/>
-                </p:oleObj>
-              </mc:Choice>
-              <mc:Fallback>
-                <p:oleObj name="Document" r:id="rId4" imgW="11172825" imgH="6858000" progId="Word.Document.8">
-                  <p:embed/>
-                  <p:pic>
-                    <p:nvPicPr>
-                      <p:cNvPr id="19460" name="Object 3">
-                        <a:extLst>
-                          <a:ext uri="{FF2B5EF4-FFF2-40B4-BE49-F238E27FC236}">
-                            <a16:creationId xmlns:a16="http://schemas.microsoft.com/office/drawing/2014/main" id="{B492C217-9F27-4BEE-9482-F7937E736E14}"/>
-                          </a:ext>
-                        </a:extLst>
-                      </p:cNvPr>
-                      <p:cNvPicPr>
-                        <a:picLocks noChangeArrowheads="1"/>
-                      </p:cNvPicPr>
-                      <p:nvPr/>
-                    </p:nvPicPr>
-                    <p:blipFill>
-                      <a:blip r:embed="rId5">
-                        <a:extLst>
-                          <a:ext uri="{28A0092B-C50C-407E-A947-70E740481C1C}">
-                            <a14:useLocalDpi xmlns:a14="http://schemas.microsoft.com/office/drawing/2010/main" val="0"/>
-                          </a:ext>
-                        </a:extLst>
-                      </a:blip>
-                      <a:srcRect/>
-                      <a:stretch>
-                        <a:fillRect/>
-                      </a:stretch>
-                    </p:blipFill>
-                    <p:spPr bwMode="auto">
-                      <a:xfrm>
-                        <a:off x="1649723" y="2329732"/>
-                        <a:ext cx="6635536" cy="4138080"/>
-                      </a:xfrm>
-                      <a:prstGeom prst="rect">
-                        <a:avLst/>
-                      </a:prstGeom>
-                      <a:noFill/>
-                      <a:ln>
-                        <a:noFill/>
-                      </a:ln>
-                      <a:effectLst/>
-                    </p:spPr>
-                  </p:pic>
-                </p:oleObj>
-              </mc:Fallback>
-            </mc:AlternateContent>
-          </a:graphicData>
-        </a:graphic>
-      </p:graphicFrame>
-    </p:spTree>
-    <p:extLst>
-      <p:ext uri="{BB962C8B-B14F-4D97-AF65-F5344CB8AC3E}">
-        <p14:creationId xmlns:p14="http://schemas.microsoft.com/office/powerpoint/2010/main" val="1329475603"/>
-      </p:ext>
-    </p:extLst>
-  </p:cSld>
-  <p:clrMapOvr>
-    <a:masterClrMapping/>
-  </p:clrMapOvr>
-</p:sld>
-</file>
-
-<file path=ppt/slides/slide4.xml><?xml version="1.0" encoding="utf-8"?>
-<p:sld xmlns:a="http://schemas.openxmlformats.org/drawingml/2006/main" xmlns:r="http://schemas.openxmlformats.org/officeDocument/2006/relationships" xmlns:p="http://schemas.openxmlformats.org/presentationml/2006/main">
-  <p:cSld>
     <p:bg>
       <p:bgPr>
         <a:solidFill>
@@ -12612,7 +12761,7 @@
               </a:lnSpc>
             </a:pPr>
             <a:r>
-              <a:rPr lang="en-US" sz="2800" kern="1200">
+              <a:rPr lang="en-US" sz="2800" kern="1200" dirty="0">
                 <a:solidFill>
                   <a:schemeClr val="accent1"/>
                 </a:solidFill>
@@ -12858,7 +13007,7 @@
 </p:sld>
 </file>
 
-<file path=ppt/slides/slide5.xml><?xml version="1.0" encoding="utf-8"?>
+<file path=ppt/slides/slide4.xml><?xml version="1.0" encoding="utf-8"?>
 <p:sld xmlns:a="http://schemas.openxmlformats.org/drawingml/2006/main" xmlns:r="http://schemas.openxmlformats.org/officeDocument/2006/relationships" xmlns:p="http://schemas.openxmlformats.org/presentationml/2006/main">
   <p:cSld>
     <p:bg>
@@ -13795,7 +13944,7 @@
 </p:sld>
 </file>
 
-<file path=ppt/slides/slide6.xml><?xml version="1.0" encoding="utf-8"?>
+<file path=ppt/slides/slide5.xml><?xml version="1.0" encoding="utf-8"?>
 <p:sld xmlns:a="http://schemas.openxmlformats.org/drawingml/2006/main" xmlns:r="http://schemas.openxmlformats.org/officeDocument/2006/relationships" xmlns:p="http://schemas.openxmlformats.org/presentationml/2006/main">
   <p:cSld>
     <p:bg>
@@ -14649,7 +14798,7 @@
 </p:sld>
 </file>
 
-<file path=ppt/slides/slide7.xml><?xml version="1.0" encoding="utf-8"?>
+<file path=ppt/slides/slide6.xml><?xml version="1.0" encoding="utf-8"?>
 <p:sld xmlns:a="http://schemas.openxmlformats.org/drawingml/2006/main" xmlns:r="http://schemas.openxmlformats.org/officeDocument/2006/relationships" xmlns:p="http://schemas.openxmlformats.org/presentationml/2006/main">
   <p:cSld>
     <p:bg>
@@ -15498,6 +15647,150 @@
     <p:extLst>
       <p:ext uri="{BB962C8B-B14F-4D97-AF65-F5344CB8AC3E}">
         <p14:creationId xmlns:p14="http://schemas.microsoft.com/office/powerpoint/2010/main" val="2520952561"/>
+      </p:ext>
+    </p:extLst>
+  </p:cSld>
+  <p:clrMapOvr>
+    <a:masterClrMapping/>
+  </p:clrMapOvr>
+</p:sld>
+</file>
+
+<file path=ppt/slides/slide7.xml><?xml version="1.0" encoding="utf-8"?>
+<p:sld xmlns:a="http://schemas.openxmlformats.org/drawingml/2006/main" xmlns:r="http://schemas.openxmlformats.org/officeDocument/2006/relationships" xmlns:p="http://schemas.openxmlformats.org/presentationml/2006/main">
+  <p:cSld>
+    <p:spTree>
+      <p:nvGrpSpPr>
+        <p:cNvPr id="1" name=""/>
+        <p:cNvGrpSpPr/>
+        <p:nvPr/>
+      </p:nvGrpSpPr>
+      <p:grpSpPr>
+        <a:xfrm>
+          <a:off x="0" y="0"/>
+          <a:ext cx="0" cy="0"/>
+          <a:chOff x="0" y="0"/>
+          <a:chExt cx="0" cy="0"/>
+        </a:xfrm>
+      </p:grpSpPr>
+      <p:sp>
+        <p:nvSpPr>
+          <p:cNvPr id="2" name="Title 1">
+            <a:extLst>
+              <a:ext uri="{FF2B5EF4-FFF2-40B4-BE49-F238E27FC236}">
+                <a16:creationId xmlns:a16="http://schemas.microsoft.com/office/drawing/2014/main" id="{E60230BD-D803-4430-8F79-82B5F4D647B2}"/>
+              </a:ext>
+            </a:extLst>
+          </p:cNvPr>
+          <p:cNvSpPr>
+            <a:spLocks noGrp="1"/>
+          </p:cNvSpPr>
+          <p:nvPr>
+            <p:ph type="title"/>
+          </p:nvPr>
+        </p:nvSpPr>
+        <p:spPr/>
+        <p:txBody>
+          <a:bodyPr>
+            <a:normAutofit fontScale="90000"/>
+          </a:bodyPr>
+          <a:lstStyle/>
+          <a:p>
+            <a:r>
+              <a:rPr lang="en-US" dirty="0"/>
+              <a:t>Online analytical processing (OLAP) is used for analytics, while online transaction processing (OLTP) is used for transactions. </a:t>
+            </a:r>
+          </a:p>
+        </p:txBody>
+      </p:sp>
+      <p:graphicFrame>
+        <p:nvGraphicFramePr>
+          <p:cNvPr id="4" name="Content Placeholder 3">
+            <a:extLst>
+              <a:ext uri="{FF2B5EF4-FFF2-40B4-BE49-F238E27FC236}">
+                <a16:creationId xmlns:a16="http://schemas.microsoft.com/office/drawing/2014/main" id="{6C557F75-481C-445B-B134-B181E9070037}"/>
+              </a:ext>
+            </a:extLst>
+          </p:cNvPr>
+          <p:cNvGraphicFramePr>
+            <a:graphicFrameLocks noGrp="1"/>
+          </p:cNvGraphicFramePr>
+          <p:nvPr>
+            <p:ph idx="1"/>
+            <p:extLst>
+              <p:ext uri="{D42A27DB-BD31-4B8C-83A1-F6EECF244321}">
+                <p14:modId xmlns:p14="http://schemas.microsoft.com/office/powerpoint/2010/main" val="3627500287"/>
+              </p:ext>
+            </p:extLst>
+          </p:nvPr>
+        </p:nvGraphicFramePr>
+        <p:xfrm>
+          <a:off x="1649723" y="2329732"/>
+          <a:ext cx="6635536" cy="4138080"/>
+        </p:xfrm>
+        <a:graphic>
+          <a:graphicData uri="http://schemas.openxmlformats.org/presentationml/2006/ole">
+            <mc:AlternateContent xmlns:mc="http://schemas.openxmlformats.org/markup-compatibility/2006">
+              <mc:Choice xmlns:v="urn:schemas-microsoft-com:vml" Requires="v">
+                <p:oleObj spid="_x0000_s1060" name="Document" r:id="rId4" imgW="11172825" imgH="6858000" progId="Word.Document.8">
+                  <p:embed/>
+                </p:oleObj>
+              </mc:Choice>
+              <mc:Fallback>
+                <p:oleObj name="Document" r:id="rId4" imgW="11172825" imgH="6858000" progId="Word.Document.8">
+                  <p:embed/>
+                  <p:pic>
+                    <p:nvPicPr>
+                      <p:cNvPr id="19460" name="Object 3">
+                        <a:extLst>
+                          <a:ext uri="{FF2B5EF4-FFF2-40B4-BE49-F238E27FC236}">
+                            <a16:creationId xmlns:a16="http://schemas.microsoft.com/office/drawing/2014/main" id="{B492C217-9F27-4BEE-9482-F7937E736E14}"/>
+                          </a:ext>
+                        </a:extLst>
+                      </p:cNvPr>
+                      <p:cNvPicPr>
+                        <a:picLocks noChangeArrowheads="1"/>
+                      </p:cNvPicPr>
+                      <p:nvPr/>
+                    </p:nvPicPr>
+                    <p:blipFill>
+                      <a:blip r:embed="rId5">
+                        <a:extLst>
+                          <a:ext uri="{28A0092B-C50C-407E-A947-70E740481C1C}">
+                            <a14:useLocalDpi xmlns:a14="http://schemas.microsoft.com/office/drawing/2010/main" val="0"/>
+                          </a:ext>
+                        </a:extLst>
+                      </a:blip>
+                      <a:srcRect/>
+                      <a:stretch>
+                        <a:fillRect/>
+                      </a:stretch>
+                    </p:blipFill>
+                    <p:spPr bwMode="auto">
+                      <a:xfrm>
+                        <a:off x="1649723" y="2329732"/>
+                        <a:ext cx="6635536" cy="4138080"/>
+                      </a:xfrm>
+                      <a:prstGeom prst="rect">
+                        <a:avLst/>
+                      </a:prstGeom>
+                      <a:noFill/>
+                      <a:ln>
+                        <a:noFill/>
+                      </a:ln>
+                      <a:effectLst/>
+                    </p:spPr>
+                  </p:pic>
+                </p:oleObj>
+              </mc:Fallback>
+            </mc:AlternateContent>
+          </a:graphicData>
+        </a:graphic>
+      </p:graphicFrame>
+    </p:spTree>
+    <p:extLst>
+      <p:ext uri="{BB962C8B-B14F-4D97-AF65-F5344CB8AC3E}">
+        <p14:creationId xmlns:p14="http://schemas.microsoft.com/office/powerpoint/2010/main" val="1329475603"/>
       </p:ext>
     </p:extLst>
   </p:cSld>

--- a/Data Warehousing Basic Concepts.pptx
+++ b/Data Warehousing Basic Concepts.pptx
@@ -15732,7 +15732,7 @@
           <a:graphicData uri="http://schemas.openxmlformats.org/presentationml/2006/ole">
             <mc:AlternateContent xmlns:mc="http://schemas.openxmlformats.org/markup-compatibility/2006">
               <mc:Choice xmlns:v="urn:schemas-microsoft-com:vml" Requires="v">
-                <p:oleObj spid="_x0000_s1060" name="Document" r:id="rId4" imgW="11172825" imgH="6858000" progId="Word.Document.8">
+                <p:oleObj spid="_x0000_s1061" name="Document" r:id="rId4" imgW="11172825" imgH="6858000" progId="Word.Document.8">
                   <p:embed/>
                 </p:oleObj>
               </mc:Choice>
